--- a/HandsOn/Group05/Presentation 2.pptx
+++ b/HandsOn/Group05/Presentation 2.pptx
@@ -5,7 +5,7 @@
     <p:sldMasterId id="2147483657" r:id="rId1"/>
   </p:sldMasterIdLst>
   <p:notesMasterIdLst>
-    <p:notesMasterId r:id="rId12"/>
+    <p:notesMasterId r:id="rId13"/>
   </p:notesMasterIdLst>
   <p:sldIdLst>
     <p:sldId id="256" r:id="rId2"/>
@@ -13,25 +13,26 @@
     <p:sldId id="258" r:id="rId4"/>
     <p:sldId id="276" r:id="rId5"/>
     <p:sldId id="277" r:id="rId6"/>
-    <p:sldId id="278" r:id="rId7"/>
-    <p:sldId id="279" r:id="rId8"/>
-    <p:sldId id="280" r:id="rId9"/>
-    <p:sldId id="281" r:id="rId10"/>
-    <p:sldId id="275" r:id="rId11"/>
+    <p:sldId id="282" r:id="rId7"/>
+    <p:sldId id="278" r:id="rId8"/>
+    <p:sldId id="279" r:id="rId9"/>
+    <p:sldId id="280" r:id="rId10"/>
+    <p:sldId id="281" r:id="rId11"/>
+    <p:sldId id="275" r:id="rId12"/>
   </p:sldIdLst>
   <p:sldSz cx="18288000" cy="10287000"/>
   <p:notesSz cx="6858000" cy="9144000"/>
   <p:embeddedFontLst>
     <p:embeddedFont>
       <p:font typeface="Arial Unicode MS" panose="020B0604020202020204" pitchFamily="34" charset="-128"/>
-      <p:regular r:id="rId13"/>
+      <p:regular r:id="rId14"/>
     </p:embeddedFont>
     <p:embeddedFont>
       <p:font typeface="Open Sans" panose="020B0606030504020204" pitchFamily="34" charset="0"/>
-      <p:regular r:id="rId14"/>
-      <p:bold r:id="rId15"/>
-      <p:italic r:id="rId16"/>
-      <p:boldItalic r:id="rId17"/>
+      <p:regular r:id="rId15"/>
+      <p:bold r:id="rId16"/>
+      <p:italic r:id="rId17"/>
+      <p:boldItalic r:id="rId18"/>
     </p:embeddedFont>
   </p:embeddedFontLst>
   <p:defaultTextStyle>
@@ -840,6 +841,133 @@
   <p:cSld>
     <p:spTree>
       <p:nvGrpSpPr>
+        <p:cNvPr id="1" name="Shape 225">
+          <a:extLst>
+            <a:ext uri="{FF2B5EF4-FFF2-40B4-BE49-F238E27FC236}">
+              <a16:creationId xmlns:a16="http://schemas.microsoft.com/office/drawing/2014/main" id="{AAA5C99C-B00C-BA52-CDD4-A0E0EDF29C00}"/>
+            </a:ext>
+          </a:extLst>
+        </p:cNvPr>
+        <p:cNvGrpSpPr/>
+        <p:nvPr/>
+      </p:nvGrpSpPr>
+      <p:grpSpPr>
+        <a:xfrm>
+          <a:off x="0" y="0"/>
+          <a:ext cx="0" cy="0"/>
+          <a:chOff x="0" y="0"/>
+          <a:chExt cx="0" cy="0"/>
+        </a:xfrm>
+      </p:grpSpPr>
+      <p:sp>
+        <p:nvSpPr>
+          <p:cNvPr id="226" name="Google Shape;226;p3:notes">
+            <a:extLst>
+              <a:ext uri="{FF2B5EF4-FFF2-40B4-BE49-F238E27FC236}">
+                <a16:creationId xmlns:a16="http://schemas.microsoft.com/office/drawing/2014/main" id="{0FBA6464-38E8-CF9F-4D93-44FC5AE37B70}"/>
+              </a:ext>
+            </a:extLst>
+          </p:cNvPr>
+          <p:cNvSpPr txBox="1">
+            <a:spLocks noGrp="1"/>
+          </p:cNvSpPr>
+          <p:nvPr>
+            <p:ph type="body" idx="1"/>
+          </p:nvPr>
+        </p:nvSpPr>
+        <p:spPr>
+          <a:xfrm>
+            <a:off x="685800" y="4343400"/>
+            <a:ext cx="5486400" cy="4114800"/>
+          </a:xfrm>
+          <a:prstGeom prst="rect">
+            <a:avLst/>
+          </a:prstGeom>
+        </p:spPr>
+        <p:txBody>
+          <a:bodyPr spcFirstLastPara="1" wrap="square" lIns="91425" tIns="91425" rIns="91425" bIns="91425" anchor="t" anchorCtr="0">
+            <a:noAutofit/>
+          </a:bodyPr>
+          <a:lstStyle/>
+          <a:p>
+            <a:pPr marL="0" lvl="0" indent="0" algn="l" rtl="0">
+              <a:spcBef>
+                <a:spcPts val="0"/>
+              </a:spcBef>
+              <a:spcAft>
+                <a:spcPts val="0"/>
+              </a:spcAft>
+              <a:buNone/>
+            </a:pPr>
+            <a:endParaRPr dirty="0"/>
+          </a:p>
+        </p:txBody>
+      </p:sp>
+      <p:sp>
+        <p:nvSpPr>
+          <p:cNvPr id="227" name="Google Shape;227;p3:notes">
+            <a:extLst>
+              <a:ext uri="{FF2B5EF4-FFF2-40B4-BE49-F238E27FC236}">
+                <a16:creationId xmlns:a16="http://schemas.microsoft.com/office/drawing/2014/main" id="{B8CDDC0C-6054-B2AF-8BE6-77733ACE8D39}"/>
+              </a:ext>
+            </a:extLst>
+          </p:cNvPr>
+          <p:cNvSpPr>
+            <a:spLocks noGrp="1" noRot="1" noChangeAspect="1"/>
+          </p:cNvSpPr>
+          <p:nvPr>
+            <p:ph type="sldImg" idx="2"/>
+          </p:nvPr>
+        </p:nvSpPr>
+        <p:spPr>
+          <a:xfrm>
+            <a:off x="381000" y="685800"/>
+            <a:ext cx="6096000" cy="3429000"/>
+          </a:xfrm>
+          <a:custGeom>
+            <a:avLst/>
+            <a:gdLst/>
+            <a:ahLst/>
+            <a:cxnLst/>
+            <a:rect l="l" t="t" r="r" b="b"/>
+            <a:pathLst>
+              <a:path w="120000" h="120000" extrusionOk="0">
+                <a:moveTo>
+                  <a:pt x="0" y="0"/>
+                </a:moveTo>
+                <a:lnTo>
+                  <a:pt x="120000" y="0"/>
+                </a:lnTo>
+                <a:lnTo>
+                  <a:pt x="120000" y="120000"/>
+                </a:lnTo>
+                <a:lnTo>
+                  <a:pt x="0" y="120000"/>
+                </a:lnTo>
+                <a:close/>
+              </a:path>
+            </a:pathLst>
+          </a:custGeom>
+        </p:spPr>
+      </p:sp>
+    </p:spTree>
+    <p:extLst>
+      <p:ext uri="{BB962C8B-B14F-4D97-AF65-F5344CB8AC3E}">
+        <p14:creationId xmlns:p14="http://schemas.microsoft.com/office/powerpoint/2010/main" val="3582202672"/>
+      </p:ext>
+    </p:extLst>
+  </p:cSld>
+  <p:clrMapOvr>
+    <a:masterClrMapping/>
+  </p:clrMapOvr>
+</p:notes>
+</file>
+
+<file path=ppt/notesSlides/notesSlide11.xml><?xml version="1.0" encoding="utf-8"?>
+<p:notes xmlns:a="http://schemas.openxmlformats.org/drawingml/2006/main" xmlns:r="http://schemas.openxmlformats.org/officeDocument/2006/relationships" xmlns:p="http://schemas.openxmlformats.org/presentationml/2006/main" showMasterSp="0" showMasterPhAnim="0">
+  <p:cSld>
+    <p:spTree>
+      <p:nvGrpSpPr>
         <p:cNvPr id="1" name="Shape 605"/>
         <p:cNvGrpSpPr/>
         <p:nvPr/>
@@ -2116,6 +2244,133 @@
         <p:cNvPr id="1" name="Shape 225">
           <a:extLst>
             <a:ext uri="{FF2B5EF4-FFF2-40B4-BE49-F238E27FC236}">
+              <a16:creationId xmlns:a16="http://schemas.microsoft.com/office/drawing/2014/main" id="{B5E79E3E-8BD5-ABF1-4A41-1DC1417AA7B5}"/>
+            </a:ext>
+          </a:extLst>
+        </p:cNvPr>
+        <p:cNvGrpSpPr/>
+        <p:nvPr/>
+      </p:nvGrpSpPr>
+      <p:grpSpPr>
+        <a:xfrm>
+          <a:off x="0" y="0"/>
+          <a:ext cx="0" cy="0"/>
+          <a:chOff x="0" y="0"/>
+          <a:chExt cx="0" cy="0"/>
+        </a:xfrm>
+      </p:grpSpPr>
+      <p:sp>
+        <p:nvSpPr>
+          <p:cNvPr id="226" name="Google Shape;226;p3:notes">
+            <a:extLst>
+              <a:ext uri="{FF2B5EF4-FFF2-40B4-BE49-F238E27FC236}">
+                <a16:creationId xmlns:a16="http://schemas.microsoft.com/office/drawing/2014/main" id="{9B89AC79-390F-D574-7978-61AE1B5DCDAD}"/>
+              </a:ext>
+            </a:extLst>
+          </p:cNvPr>
+          <p:cNvSpPr txBox="1">
+            <a:spLocks noGrp="1"/>
+          </p:cNvSpPr>
+          <p:nvPr>
+            <p:ph type="body" idx="1"/>
+          </p:nvPr>
+        </p:nvSpPr>
+        <p:spPr>
+          <a:xfrm>
+            <a:off x="685800" y="4343400"/>
+            <a:ext cx="5486400" cy="4114800"/>
+          </a:xfrm>
+          <a:prstGeom prst="rect">
+            <a:avLst/>
+          </a:prstGeom>
+        </p:spPr>
+        <p:txBody>
+          <a:bodyPr spcFirstLastPara="1" wrap="square" lIns="91425" tIns="91425" rIns="91425" bIns="91425" anchor="t" anchorCtr="0">
+            <a:noAutofit/>
+          </a:bodyPr>
+          <a:lstStyle/>
+          <a:p>
+            <a:pPr marL="0" lvl="0" indent="0" algn="l" rtl="0">
+              <a:spcBef>
+                <a:spcPts val="0"/>
+              </a:spcBef>
+              <a:spcAft>
+                <a:spcPts val="0"/>
+              </a:spcAft>
+              <a:buNone/>
+            </a:pPr>
+            <a:endParaRPr dirty="0"/>
+          </a:p>
+        </p:txBody>
+      </p:sp>
+      <p:sp>
+        <p:nvSpPr>
+          <p:cNvPr id="227" name="Google Shape;227;p3:notes">
+            <a:extLst>
+              <a:ext uri="{FF2B5EF4-FFF2-40B4-BE49-F238E27FC236}">
+                <a16:creationId xmlns:a16="http://schemas.microsoft.com/office/drawing/2014/main" id="{B408A6EA-EF95-1EB0-CB8D-AEDA6E3048D2}"/>
+              </a:ext>
+            </a:extLst>
+          </p:cNvPr>
+          <p:cNvSpPr>
+            <a:spLocks noGrp="1" noRot="1" noChangeAspect="1"/>
+          </p:cNvSpPr>
+          <p:nvPr>
+            <p:ph type="sldImg" idx="2"/>
+          </p:nvPr>
+        </p:nvSpPr>
+        <p:spPr>
+          <a:xfrm>
+            <a:off x="381000" y="685800"/>
+            <a:ext cx="6096000" cy="3429000"/>
+          </a:xfrm>
+          <a:custGeom>
+            <a:avLst/>
+            <a:gdLst/>
+            <a:ahLst/>
+            <a:cxnLst/>
+            <a:rect l="l" t="t" r="r" b="b"/>
+            <a:pathLst>
+              <a:path w="120000" h="120000" extrusionOk="0">
+                <a:moveTo>
+                  <a:pt x="0" y="0"/>
+                </a:moveTo>
+                <a:lnTo>
+                  <a:pt x="120000" y="0"/>
+                </a:lnTo>
+                <a:lnTo>
+                  <a:pt x="120000" y="120000"/>
+                </a:lnTo>
+                <a:lnTo>
+                  <a:pt x="0" y="120000"/>
+                </a:lnTo>
+                <a:close/>
+              </a:path>
+            </a:pathLst>
+          </a:custGeom>
+        </p:spPr>
+      </p:sp>
+    </p:spTree>
+    <p:extLst>
+      <p:ext uri="{BB962C8B-B14F-4D97-AF65-F5344CB8AC3E}">
+        <p14:creationId xmlns:p14="http://schemas.microsoft.com/office/powerpoint/2010/main" val="1684075212"/>
+      </p:ext>
+    </p:extLst>
+  </p:cSld>
+  <p:clrMapOvr>
+    <a:masterClrMapping/>
+  </p:clrMapOvr>
+</p:notes>
+</file>
+
+<file path=ppt/notesSlides/notesSlide7.xml><?xml version="1.0" encoding="utf-8"?>
+<p:notes xmlns:a="http://schemas.openxmlformats.org/drawingml/2006/main" xmlns:r="http://schemas.openxmlformats.org/officeDocument/2006/relationships" xmlns:p="http://schemas.openxmlformats.org/presentationml/2006/main" showMasterSp="0" showMasterPhAnim="0">
+  <p:cSld>
+    <p:spTree>
+      <p:nvGrpSpPr>
+        <p:cNvPr id="1" name="Shape 225">
+          <a:extLst>
+            <a:ext uri="{FF2B5EF4-FFF2-40B4-BE49-F238E27FC236}">
               <a16:creationId xmlns:a16="http://schemas.microsoft.com/office/drawing/2014/main" id="{DC8BB8DC-9C82-278B-33B9-A18F608AC9B2}"/>
             </a:ext>
           </a:extLst>
@@ -2235,7 +2490,7 @@
 </p:notes>
 </file>
 
-<file path=ppt/notesSlides/notesSlide7.xml><?xml version="1.0" encoding="utf-8"?>
+<file path=ppt/notesSlides/notesSlide8.xml><?xml version="1.0" encoding="utf-8"?>
 <p:notes xmlns:a="http://schemas.openxmlformats.org/drawingml/2006/main" xmlns:r="http://schemas.openxmlformats.org/officeDocument/2006/relationships" xmlns:p="http://schemas.openxmlformats.org/presentationml/2006/main" showMasterSp="0" showMasterPhAnim="0">
   <p:cSld>
     <p:spTree>
@@ -2362,7 +2617,7 @@
 </p:notes>
 </file>
 
-<file path=ppt/notesSlides/notesSlide8.xml><?xml version="1.0" encoding="utf-8"?>
+<file path=ppt/notesSlides/notesSlide9.xml><?xml version="1.0" encoding="utf-8"?>
 <p:notes xmlns:a="http://schemas.openxmlformats.org/drawingml/2006/main" xmlns:r="http://schemas.openxmlformats.org/officeDocument/2006/relationships" xmlns:p="http://schemas.openxmlformats.org/presentationml/2006/main" showMasterSp="0" showMasterPhAnim="0">
   <p:cSld>
     <p:spTree>
@@ -2480,133 +2735,6 @@
     <p:extLst>
       <p:ext uri="{BB962C8B-B14F-4D97-AF65-F5344CB8AC3E}">
         <p14:creationId xmlns:p14="http://schemas.microsoft.com/office/powerpoint/2010/main" val="1673072922"/>
-      </p:ext>
-    </p:extLst>
-  </p:cSld>
-  <p:clrMapOvr>
-    <a:masterClrMapping/>
-  </p:clrMapOvr>
-</p:notes>
-</file>
-
-<file path=ppt/notesSlides/notesSlide9.xml><?xml version="1.0" encoding="utf-8"?>
-<p:notes xmlns:a="http://schemas.openxmlformats.org/drawingml/2006/main" xmlns:r="http://schemas.openxmlformats.org/officeDocument/2006/relationships" xmlns:p="http://schemas.openxmlformats.org/presentationml/2006/main" showMasterSp="0" showMasterPhAnim="0">
-  <p:cSld>
-    <p:spTree>
-      <p:nvGrpSpPr>
-        <p:cNvPr id="1" name="Shape 225">
-          <a:extLst>
-            <a:ext uri="{FF2B5EF4-FFF2-40B4-BE49-F238E27FC236}">
-              <a16:creationId xmlns:a16="http://schemas.microsoft.com/office/drawing/2014/main" id="{AAA5C99C-B00C-BA52-CDD4-A0E0EDF29C00}"/>
-            </a:ext>
-          </a:extLst>
-        </p:cNvPr>
-        <p:cNvGrpSpPr/>
-        <p:nvPr/>
-      </p:nvGrpSpPr>
-      <p:grpSpPr>
-        <a:xfrm>
-          <a:off x="0" y="0"/>
-          <a:ext cx="0" cy="0"/>
-          <a:chOff x="0" y="0"/>
-          <a:chExt cx="0" cy="0"/>
-        </a:xfrm>
-      </p:grpSpPr>
-      <p:sp>
-        <p:nvSpPr>
-          <p:cNvPr id="226" name="Google Shape;226;p3:notes">
-            <a:extLst>
-              <a:ext uri="{FF2B5EF4-FFF2-40B4-BE49-F238E27FC236}">
-                <a16:creationId xmlns:a16="http://schemas.microsoft.com/office/drawing/2014/main" id="{0FBA6464-38E8-CF9F-4D93-44FC5AE37B70}"/>
-              </a:ext>
-            </a:extLst>
-          </p:cNvPr>
-          <p:cNvSpPr txBox="1">
-            <a:spLocks noGrp="1"/>
-          </p:cNvSpPr>
-          <p:nvPr>
-            <p:ph type="body" idx="1"/>
-          </p:nvPr>
-        </p:nvSpPr>
-        <p:spPr>
-          <a:xfrm>
-            <a:off x="685800" y="4343400"/>
-            <a:ext cx="5486400" cy="4114800"/>
-          </a:xfrm>
-          <a:prstGeom prst="rect">
-            <a:avLst/>
-          </a:prstGeom>
-        </p:spPr>
-        <p:txBody>
-          <a:bodyPr spcFirstLastPara="1" wrap="square" lIns="91425" tIns="91425" rIns="91425" bIns="91425" anchor="t" anchorCtr="0">
-            <a:noAutofit/>
-          </a:bodyPr>
-          <a:lstStyle/>
-          <a:p>
-            <a:pPr marL="0" lvl="0" indent="0" algn="l" rtl="0">
-              <a:spcBef>
-                <a:spcPts val="0"/>
-              </a:spcBef>
-              <a:spcAft>
-                <a:spcPts val="0"/>
-              </a:spcAft>
-              <a:buNone/>
-            </a:pPr>
-            <a:endParaRPr dirty="0"/>
-          </a:p>
-        </p:txBody>
-      </p:sp>
-      <p:sp>
-        <p:nvSpPr>
-          <p:cNvPr id="227" name="Google Shape;227;p3:notes">
-            <a:extLst>
-              <a:ext uri="{FF2B5EF4-FFF2-40B4-BE49-F238E27FC236}">
-                <a16:creationId xmlns:a16="http://schemas.microsoft.com/office/drawing/2014/main" id="{B8CDDC0C-6054-B2AF-8BE6-77733ACE8D39}"/>
-              </a:ext>
-            </a:extLst>
-          </p:cNvPr>
-          <p:cNvSpPr>
-            <a:spLocks noGrp="1" noRot="1" noChangeAspect="1"/>
-          </p:cNvSpPr>
-          <p:nvPr>
-            <p:ph type="sldImg" idx="2"/>
-          </p:nvPr>
-        </p:nvSpPr>
-        <p:spPr>
-          <a:xfrm>
-            <a:off x="381000" y="685800"/>
-            <a:ext cx="6096000" cy="3429000"/>
-          </a:xfrm>
-          <a:custGeom>
-            <a:avLst/>
-            <a:gdLst/>
-            <a:ahLst/>
-            <a:cxnLst/>
-            <a:rect l="l" t="t" r="r" b="b"/>
-            <a:pathLst>
-              <a:path w="120000" h="120000" extrusionOk="0">
-                <a:moveTo>
-                  <a:pt x="0" y="0"/>
-                </a:moveTo>
-                <a:lnTo>
-                  <a:pt x="120000" y="0"/>
-                </a:lnTo>
-                <a:lnTo>
-                  <a:pt x="120000" y="120000"/>
-                </a:lnTo>
-                <a:lnTo>
-                  <a:pt x="0" y="120000"/>
-                </a:lnTo>
-                <a:close/>
-              </a:path>
-            </a:pathLst>
-          </a:custGeom>
-        </p:spPr>
-      </p:sp>
-    </p:spTree>
-    <p:extLst>
-      <p:ext uri="{BB962C8B-B14F-4D97-AF65-F5344CB8AC3E}">
-        <p14:creationId xmlns:p14="http://schemas.microsoft.com/office/powerpoint/2010/main" val="3582202672"/>
       </p:ext>
     </p:extLst>
   </p:cSld>
@@ -3079,932 +3207,6 @@
 </file>
 
 <file path=ppt/slideLayouts/slideLayout2.xml><?xml version="1.0" encoding="utf-8"?>
-<p:sldLayout xmlns:a="http://schemas.openxmlformats.org/drawingml/2006/main" xmlns:r="http://schemas.openxmlformats.org/officeDocument/2006/relationships" xmlns:p="http://schemas.openxmlformats.org/presentationml/2006/main" showMasterSp="0" matchingName="Title Slide" type="title">
-  <p:cSld name="TITLE">
-    <p:spTree>
-      <p:nvGrpSpPr>
-        <p:cNvPr id="1" name="Shape 18"/>
-        <p:cNvGrpSpPr/>
-        <p:nvPr/>
-      </p:nvGrpSpPr>
-      <p:grpSpPr>
-        <a:xfrm>
-          <a:off x="0" y="0"/>
-          <a:ext cx="0" cy="0"/>
-          <a:chOff x="0" y="0"/>
-          <a:chExt cx="0" cy="0"/>
-        </a:xfrm>
-      </p:grpSpPr>
-      <p:sp>
-        <p:nvSpPr>
-          <p:cNvPr id="19" name="Google Shape;19;p3"/>
-          <p:cNvSpPr txBox="1">
-            <a:spLocks noGrp="1"/>
-          </p:cNvSpPr>
-          <p:nvPr>
-            <p:ph type="ctrTitle"/>
-          </p:nvPr>
-        </p:nvSpPr>
-        <p:spPr>
-          <a:xfrm>
-            <a:off x="753825" y="2096400"/>
-            <a:ext cx="15173400" cy="1470000"/>
-          </a:xfrm>
-          <a:prstGeom prst="rect">
-            <a:avLst/>
-          </a:prstGeom>
-          <a:noFill/>
-          <a:ln>
-            <a:noFill/>
-          </a:ln>
-        </p:spPr>
-        <p:txBody>
-          <a:bodyPr spcFirstLastPara="1" wrap="square" lIns="91425" tIns="45700" rIns="91425" bIns="45700" anchor="ctr" anchorCtr="0">
-            <a:normAutofit/>
-          </a:bodyPr>
-          <a:lstStyle>
-            <a:lvl1pPr lvl="0" algn="l">
-              <a:spcBef>
-                <a:spcPts val="0"/>
-              </a:spcBef>
-              <a:spcAft>
-                <a:spcPts val="0"/>
-              </a:spcAft>
-              <a:buClr>
-                <a:schemeClr val="dk1"/>
-              </a:buClr>
-              <a:buSzPts val="1800"/>
-              <a:buNone/>
-              <a:defRPr/>
-            </a:lvl1pPr>
-            <a:lvl2pPr lvl="1">
-              <a:spcBef>
-                <a:spcPts val="0"/>
-              </a:spcBef>
-              <a:spcAft>
-                <a:spcPts val="0"/>
-              </a:spcAft>
-              <a:buSzPts val="7000"/>
-              <a:buNone/>
-              <a:defRPr/>
-            </a:lvl2pPr>
-            <a:lvl3pPr lvl="2">
-              <a:spcBef>
-                <a:spcPts val="0"/>
-              </a:spcBef>
-              <a:spcAft>
-                <a:spcPts val="0"/>
-              </a:spcAft>
-              <a:buSzPts val="7000"/>
-              <a:buNone/>
-              <a:defRPr/>
-            </a:lvl3pPr>
-            <a:lvl4pPr lvl="3">
-              <a:spcBef>
-                <a:spcPts val="0"/>
-              </a:spcBef>
-              <a:spcAft>
-                <a:spcPts val="0"/>
-              </a:spcAft>
-              <a:buSzPts val="7000"/>
-              <a:buNone/>
-              <a:defRPr/>
-            </a:lvl4pPr>
-            <a:lvl5pPr lvl="4">
-              <a:spcBef>
-                <a:spcPts val="0"/>
-              </a:spcBef>
-              <a:spcAft>
-                <a:spcPts val="0"/>
-              </a:spcAft>
-              <a:buSzPts val="7000"/>
-              <a:buNone/>
-              <a:defRPr/>
-            </a:lvl5pPr>
-            <a:lvl6pPr lvl="5">
-              <a:spcBef>
-                <a:spcPts val="0"/>
-              </a:spcBef>
-              <a:spcAft>
-                <a:spcPts val="0"/>
-              </a:spcAft>
-              <a:buSzPts val="7000"/>
-              <a:buNone/>
-              <a:defRPr/>
-            </a:lvl6pPr>
-            <a:lvl7pPr lvl="6">
-              <a:spcBef>
-                <a:spcPts val="0"/>
-              </a:spcBef>
-              <a:spcAft>
-                <a:spcPts val="0"/>
-              </a:spcAft>
-              <a:buSzPts val="7000"/>
-              <a:buNone/>
-              <a:defRPr/>
-            </a:lvl7pPr>
-            <a:lvl8pPr lvl="7">
-              <a:spcBef>
-                <a:spcPts val="0"/>
-              </a:spcBef>
-              <a:spcAft>
-                <a:spcPts val="0"/>
-              </a:spcAft>
-              <a:buSzPts val="7000"/>
-              <a:buNone/>
-              <a:defRPr/>
-            </a:lvl8pPr>
-            <a:lvl9pPr lvl="8">
-              <a:spcBef>
-                <a:spcPts val="0"/>
-              </a:spcBef>
-              <a:spcAft>
-                <a:spcPts val="0"/>
-              </a:spcAft>
-              <a:buSzPts val="7000"/>
-              <a:buNone/>
-              <a:defRPr/>
-            </a:lvl9pPr>
-          </a:lstStyle>
-          <a:p>
-            <a:endParaRPr/>
-          </a:p>
-        </p:txBody>
-      </p:sp>
-      <p:sp>
-        <p:nvSpPr>
-          <p:cNvPr id="20" name="Google Shape;20;p3"/>
-          <p:cNvSpPr txBox="1">
-            <a:spLocks noGrp="1"/>
-          </p:cNvSpPr>
-          <p:nvPr>
-            <p:ph type="subTitle" idx="1"/>
-          </p:nvPr>
-        </p:nvSpPr>
-        <p:spPr>
-          <a:xfrm>
-            <a:off x="4480900" y="6167075"/>
-            <a:ext cx="9520800" cy="1752600"/>
-          </a:xfrm>
-          <a:prstGeom prst="rect">
-            <a:avLst/>
-          </a:prstGeom>
-          <a:noFill/>
-          <a:ln>
-            <a:noFill/>
-          </a:ln>
-        </p:spPr>
-        <p:txBody>
-          <a:bodyPr spcFirstLastPara="1" wrap="square" lIns="91425" tIns="45700" rIns="91425" bIns="45700" anchor="t" anchorCtr="0">
-            <a:normAutofit/>
-          </a:bodyPr>
-          <a:lstStyle>
-            <a:lvl1pPr lvl="0" algn="ctr">
-              <a:spcBef>
-                <a:spcPts val="640"/>
-              </a:spcBef>
-              <a:spcAft>
-                <a:spcPts val="0"/>
-              </a:spcAft>
-              <a:buSzPts val="3200"/>
-              <a:buNone/>
-              <a:defRPr/>
-            </a:lvl1pPr>
-            <a:lvl2pPr lvl="1" algn="ctr">
-              <a:spcBef>
-                <a:spcPts val="560"/>
-              </a:spcBef>
-              <a:spcAft>
-                <a:spcPts val="0"/>
-              </a:spcAft>
-              <a:buSzPts val="2800"/>
-              <a:buNone/>
-              <a:defRPr/>
-            </a:lvl2pPr>
-            <a:lvl3pPr lvl="2" algn="ctr">
-              <a:spcBef>
-                <a:spcPts val="480"/>
-              </a:spcBef>
-              <a:spcAft>
-                <a:spcPts val="0"/>
-              </a:spcAft>
-              <a:buSzPts val="2400"/>
-              <a:buNone/>
-              <a:defRPr/>
-            </a:lvl3pPr>
-            <a:lvl4pPr lvl="3" algn="ctr">
-              <a:spcBef>
-                <a:spcPts val="400"/>
-              </a:spcBef>
-              <a:spcAft>
-                <a:spcPts val="0"/>
-              </a:spcAft>
-              <a:buSzPts val="2000"/>
-              <a:buNone/>
-              <a:defRPr/>
-            </a:lvl4pPr>
-            <a:lvl5pPr lvl="4" algn="ctr">
-              <a:spcBef>
-                <a:spcPts val="400"/>
-              </a:spcBef>
-              <a:spcAft>
-                <a:spcPts val="0"/>
-              </a:spcAft>
-              <a:buSzPts val="2000"/>
-              <a:buNone/>
-              <a:defRPr/>
-            </a:lvl5pPr>
-            <a:lvl6pPr lvl="5" algn="ctr">
-              <a:spcBef>
-                <a:spcPts val="400"/>
-              </a:spcBef>
-              <a:spcAft>
-                <a:spcPts val="0"/>
-              </a:spcAft>
-              <a:buSzPts val="2000"/>
-              <a:buNone/>
-              <a:defRPr/>
-            </a:lvl6pPr>
-            <a:lvl7pPr lvl="6" algn="ctr">
-              <a:spcBef>
-                <a:spcPts val="400"/>
-              </a:spcBef>
-              <a:spcAft>
-                <a:spcPts val="0"/>
-              </a:spcAft>
-              <a:buSzPts val="2000"/>
-              <a:buNone/>
-              <a:defRPr/>
-            </a:lvl7pPr>
-            <a:lvl8pPr lvl="7" algn="ctr">
-              <a:spcBef>
-                <a:spcPts val="400"/>
-              </a:spcBef>
-              <a:spcAft>
-                <a:spcPts val="0"/>
-              </a:spcAft>
-              <a:buSzPts val="2000"/>
-              <a:buNone/>
-              <a:defRPr/>
-            </a:lvl8pPr>
-            <a:lvl9pPr lvl="8" algn="ctr">
-              <a:spcBef>
-                <a:spcPts val="400"/>
-              </a:spcBef>
-              <a:spcAft>
-                <a:spcPts val="0"/>
-              </a:spcAft>
-              <a:buSzPts val="2000"/>
-              <a:buNone/>
-              <a:defRPr/>
-            </a:lvl9pPr>
-          </a:lstStyle>
-          <a:p>
-            <a:endParaRPr/>
-          </a:p>
-        </p:txBody>
-      </p:sp>
-      <p:grpSp>
-        <p:nvGrpSpPr>
-          <p:cNvPr id="21" name="Google Shape;21;p3"/>
-          <p:cNvGrpSpPr/>
-          <p:nvPr/>
-        </p:nvGrpSpPr>
-        <p:grpSpPr>
-          <a:xfrm>
-            <a:off x="0" y="9362810"/>
-            <a:ext cx="18269544" cy="924196"/>
-            <a:chOff x="0" y="-47625"/>
-            <a:chExt cx="4811700" cy="243408"/>
-          </a:xfrm>
-        </p:grpSpPr>
-        <p:sp>
-          <p:nvSpPr>
-            <p:cNvPr id="22" name="Google Shape;22;p3"/>
-            <p:cNvSpPr/>
-            <p:nvPr/>
-          </p:nvSpPr>
-          <p:spPr>
-            <a:xfrm>
-              <a:off x="0" y="0"/>
-              <a:ext cx="4811568" cy="195783"/>
-            </a:xfrm>
-            <a:custGeom>
-              <a:avLst/>
-              <a:gdLst/>
-              <a:ahLst/>
-              <a:cxnLst/>
-              <a:rect l="l" t="t" r="r" b="b"/>
-              <a:pathLst>
-                <a:path w="4811568" h="195783" extrusionOk="0">
-                  <a:moveTo>
-                    <a:pt x="0" y="0"/>
-                  </a:moveTo>
-                  <a:lnTo>
-                    <a:pt x="4811568" y="0"/>
-                  </a:lnTo>
-                  <a:lnTo>
-                    <a:pt x="4811568" y="195783"/>
-                  </a:lnTo>
-                  <a:lnTo>
-                    <a:pt x="0" y="195783"/>
-                  </a:lnTo>
-                  <a:close/>
-                </a:path>
-              </a:pathLst>
-            </a:custGeom>
-            <a:solidFill>
-              <a:srgbClr val="642282"/>
-            </a:solidFill>
-            <a:ln>
-              <a:noFill/>
-            </a:ln>
-          </p:spPr>
-        </p:sp>
-        <p:sp>
-          <p:nvSpPr>
-            <p:cNvPr id="23" name="Google Shape;23;p3"/>
-            <p:cNvSpPr txBox="1"/>
-            <p:nvPr/>
-          </p:nvSpPr>
-          <p:spPr>
-            <a:xfrm>
-              <a:off x="0" y="-47625"/>
-              <a:ext cx="4811700" cy="243300"/>
-            </a:xfrm>
-            <a:prstGeom prst="rect">
-              <a:avLst/>
-            </a:prstGeom>
-            <a:noFill/>
-            <a:ln>
-              <a:noFill/>
-            </a:ln>
-          </p:spPr>
-          <p:txBody>
-            <a:bodyPr spcFirstLastPara="1" wrap="square" lIns="50800" tIns="50800" rIns="50800" bIns="50800" anchor="ctr" anchorCtr="0">
-              <a:noAutofit/>
-            </a:bodyPr>
-            <a:lstStyle/>
-            <a:p>
-              <a:pPr marL="0" marR="0" lvl="0" indent="0" algn="ctr" rtl="0">
-                <a:lnSpc>
-                  <a:spcPct val="155555"/>
-                </a:lnSpc>
-                <a:spcBef>
-                  <a:spcPts val="0"/>
-                </a:spcBef>
-                <a:spcAft>
-                  <a:spcPts val="0"/>
-                </a:spcAft>
-                <a:buNone/>
-              </a:pPr>
-              <a:endParaRPr sz="1800" b="0" i="0" u="none" strike="noStrike" cap="none">
-                <a:solidFill>
-                  <a:schemeClr val="dk1"/>
-                </a:solidFill>
-                <a:latin typeface="Calibri"/>
-                <a:ea typeface="Calibri"/>
-                <a:cs typeface="Calibri"/>
-                <a:sym typeface="Calibri"/>
-              </a:endParaRPr>
-            </a:p>
-          </p:txBody>
-        </p:sp>
-      </p:grpSp>
-      <p:sp>
-        <p:nvSpPr>
-          <p:cNvPr id="24" name="Google Shape;24;p3"/>
-          <p:cNvSpPr/>
-          <p:nvPr/>
-        </p:nvSpPr>
-        <p:spPr>
-          <a:xfrm rot="2700000">
-            <a:off x="16488794" y="9537189"/>
-            <a:ext cx="756854" cy="756854"/>
-          </a:xfrm>
-          <a:custGeom>
-            <a:avLst/>
-            <a:gdLst/>
-            <a:ahLst/>
-            <a:cxnLst/>
-            <a:rect l="l" t="t" r="r" b="b"/>
-            <a:pathLst>
-              <a:path w="756433" h="756433" extrusionOk="0">
-                <a:moveTo>
-                  <a:pt x="0" y="0"/>
-                </a:moveTo>
-                <a:lnTo>
-                  <a:pt x="756433" y="0"/>
-                </a:lnTo>
-                <a:lnTo>
-                  <a:pt x="756433" y="756433"/>
-                </a:lnTo>
-                <a:lnTo>
-                  <a:pt x="0" y="756433"/>
-                </a:lnTo>
-                <a:lnTo>
-                  <a:pt x="0" y="0"/>
-                </a:lnTo>
-                <a:close/>
-              </a:path>
-            </a:pathLst>
-          </a:custGeom>
-          <a:blipFill rotWithShape="1">
-            <a:blip r:embed="rId2">
-              <a:alphaModFix/>
-            </a:blip>
-            <a:stretch>
-              <a:fillRect/>
-            </a:stretch>
-          </a:blipFill>
-          <a:ln>
-            <a:noFill/>
-          </a:ln>
-        </p:spPr>
-      </p:sp>
-      <p:sp>
-        <p:nvSpPr>
-          <p:cNvPr id="25" name="Google Shape;25;p3"/>
-          <p:cNvSpPr/>
-          <p:nvPr/>
-        </p:nvSpPr>
-        <p:spPr>
-          <a:xfrm rot="-8100000">
-            <a:off x="1185152" y="9536594"/>
-            <a:ext cx="756854" cy="756854"/>
-          </a:xfrm>
-          <a:custGeom>
-            <a:avLst/>
-            <a:gdLst/>
-            <a:ahLst/>
-            <a:cxnLst/>
-            <a:rect l="l" t="t" r="r" b="b"/>
-            <a:pathLst>
-              <a:path w="756433" h="756433" extrusionOk="0">
-                <a:moveTo>
-                  <a:pt x="756433" y="756433"/>
-                </a:moveTo>
-                <a:lnTo>
-                  <a:pt x="0" y="756433"/>
-                </a:lnTo>
-                <a:lnTo>
-                  <a:pt x="0" y="0"/>
-                </a:lnTo>
-                <a:lnTo>
-                  <a:pt x="756433" y="0"/>
-                </a:lnTo>
-                <a:lnTo>
-                  <a:pt x="756433" y="756433"/>
-                </a:lnTo>
-                <a:close/>
-              </a:path>
-            </a:pathLst>
-          </a:custGeom>
-          <a:blipFill rotWithShape="1">
-            <a:blip r:embed="rId2">
-              <a:alphaModFix/>
-            </a:blip>
-            <a:stretch>
-              <a:fillRect/>
-            </a:stretch>
-          </a:blipFill>
-          <a:ln>
-            <a:noFill/>
-          </a:ln>
-        </p:spPr>
-      </p:sp>
-      <p:grpSp>
-        <p:nvGrpSpPr>
-          <p:cNvPr id="26" name="Google Shape;26;p3"/>
-          <p:cNvGrpSpPr/>
-          <p:nvPr/>
-        </p:nvGrpSpPr>
-        <p:grpSpPr>
-          <a:xfrm>
-            <a:off x="0" y="-180827"/>
-            <a:ext cx="18269544" cy="1209692"/>
-            <a:chOff x="0" y="-47625"/>
-            <a:chExt cx="4811700" cy="318600"/>
-          </a:xfrm>
-        </p:grpSpPr>
-        <p:sp>
-          <p:nvSpPr>
-            <p:cNvPr id="27" name="Google Shape;27;p3"/>
-            <p:cNvSpPr/>
-            <p:nvPr/>
-          </p:nvSpPr>
-          <p:spPr>
-            <a:xfrm>
-              <a:off x="0" y="0"/>
-              <a:ext cx="4811568" cy="270933"/>
-            </a:xfrm>
-            <a:custGeom>
-              <a:avLst/>
-              <a:gdLst/>
-              <a:ahLst/>
-              <a:cxnLst/>
-              <a:rect l="l" t="t" r="r" b="b"/>
-              <a:pathLst>
-                <a:path w="4811568" h="270933" extrusionOk="0">
-                  <a:moveTo>
-                    <a:pt x="0" y="0"/>
-                  </a:moveTo>
-                  <a:lnTo>
-                    <a:pt x="4811568" y="0"/>
-                  </a:lnTo>
-                  <a:lnTo>
-                    <a:pt x="4811568" y="270933"/>
-                  </a:lnTo>
-                  <a:lnTo>
-                    <a:pt x="0" y="270933"/>
-                  </a:lnTo>
-                  <a:close/>
-                </a:path>
-              </a:pathLst>
-            </a:custGeom>
-            <a:solidFill>
-              <a:srgbClr val="642282"/>
-            </a:solidFill>
-            <a:ln>
-              <a:noFill/>
-            </a:ln>
-          </p:spPr>
-        </p:sp>
-        <p:sp>
-          <p:nvSpPr>
-            <p:cNvPr id="28" name="Google Shape;28;p3"/>
-            <p:cNvSpPr txBox="1"/>
-            <p:nvPr/>
-          </p:nvSpPr>
-          <p:spPr>
-            <a:xfrm>
-              <a:off x="0" y="-47625"/>
-              <a:ext cx="4811700" cy="318600"/>
-            </a:xfrm>
-            <a:prstGeom prst="rect">
-              <a:avLst/>
-            </a:prstGeom>
-            <a:noFill/>
-            <a:ln>
-              <a:noFill/>
-            </a:ln>
-          </p:spPr>
-          <p:txBody>
-            <a:bodyPr spcFirstLastPara="1" wrap="square" lIns="50800" tIns="50800" rIns="50800" bIns="50800" anchor="ctr" anchorCtr="0">
-              <a:noAutofit/>
-            </a:bodyPr>
-            <a:lstStyle/>
-            <a:p>
-              <a:pPr marL="0" marR="0" lvl="0" indent="0" algn="ctr" rtl="0">
-                <a:lnSpc>
-                  <a:spcPct val="155555"/>
-                </a:lnSpc>
-                <a:spcBef>
-                  <a:spcPts val="0"/>
-                </a:spcBef>
-                <a:spcAft>
-                  <a:spcPts val="0"/>
-                </a:spcAft>
-                <a:buNone/>
-              </a:pPr>
-              <a:endParaRPr sz="1800" b="0" i="0" u="none" strike="noStrike" cap="none">
-                <a:solidFill>
-                  <a:schemeClr val="dk1"/>
-                </a:solidFill>
-                <a:latin typeface="Calibri"/>
-                <a:ea typeface="Calibri"/>
-                <a:cs typeface="Calibri"/>
-                <a:sym typeface="Calibri"/>
-              </a:endParaRPr>
-            </a:p>
-          </p:txBody>
-        </p:sp>
-      </p:grpSp>
-      <p:sp>
-        <p:nvSpPr>
-          <p:cNvPr id="29" name="Google Shape;29;p3"/>
-          <p:cNvSpPr/>
-          <p:nvPr/>
-        </p:nvSpPr>
-        <p:spPr>
-          <a:xfrm>
-            <a:off x="1312325" y="339073"/>
-            <a:ext cx="499610" cy="407864"/>
-          </a:xfrm>
-          <a:custGeom>
-            <a:avLst/>
-            <a:gdLst/>
-            <a:ahLst/>
-            <a:cxnLst/>
-            <a:rect l="l" t="t" r="r" b="b"/>
-            <a:pathLst>
-              <a:path w="499610" h="407864" extrusionOk="0">
-                <a:moveTo>
-                  <a:pt x="0" y="0"/>
-                </a:moveTo>
-                <a:lnTo>
-                  <a:pt x="499610" y="0"/>
-                </a:lnTo>
-                <a:lnTo>
-                  <a:pt x="499610" y="407863"/>
-                </a:lnTo>
-                <a:lnTo>
-                  <a:pt x="0" y="407863"/>
-                </a:lnTo>
-                <a:lnTo>
-                  <a:pt x="0" y="0"/>
-                </a:lnTo>
-                <a:close/>
-              </a:path>
-            </a:pathLst>
-          </a:custGeom>
-          <a:blipFill rotWithShape="1">
-            <a:blip r:embed="rId3">
-              <a:alphaModFix/>
-            </a:blip>
-            <a:stretch>
-              <a:fillRect/>
-            </a:stretch>
-          </a:blipFill>
-          <a:ln>
-            <a:noFill/>
-          </a:ln>
-        </p:spPr>
-      </p:sp>
-      <p:sp>
-        <p:nvSpPr>
-          <p:cNvPr id="30" name="Google Shape;30;p3"/>
-          <p:cNvSpPr txBox="1"/>
-          <p:nvPr/>
-        </p:nvSpPr>
-        <p:spPr>
-          <a:xfrm>
-            <a:off x="12431374" y="344575"/>
-            <a:ext cx="990600" cy="307800"/>
-          </a:xfrm>
-          <a:prstGeom prst="rect">
-            <a:avLst/>
-          </a:prstGeom>
-          <a:noFill/>
-          <a:ln>
-            <a:noFill/>
-          </a:ln>
-        </p:spPr>
-        <p:txBody>
-          <a:bodyPr spcFirstLastPara="1" wrap="square" lIns="0" tIns="0" rIns="0" bIns="0" anchor="t" anchorCtr="0">
-            <a:spAutoFit/>
-          </a:bodyPr>
-          <a:lstStyle/>
-          <a:p>
-            <a:pPr marL="0" marR="0" lvl="0" indent="0" algn="ctr" rtl="0">
-              <a:lnSpc>
-                <a:spcPct val="140000"/>
-              </a:lnSpc>
-              <a:spcBef>
-                <a:spcPts val="0"/>
-              </a:spcBef>
-              <a:spcAft>
-                <a:spcPts val="0"/>
-              </a:spcAft>
-              <a:buNone/>
-            </a:pPr>
-            <a:r>
-              <a:rPr lang="en-US" sz="2000" b="1" i="0" u="none" strike="noStrike" cap="none">
-                <a:solidFill>
-                  <a:srgbClr val="FFFFFF"/>
-                </a:solidFill>
-                <a:latin typeface="Open Sans"/>
-                <a:ea typeface="Open Sans"/>
-                <a:cs typeface="Open Sans"/>
-                <a:sym typeface="Open Sans"/>
-              </a:rPr>
-              <a:t>Service</a:t>
-            </a:r>
-            <a:endParaRPr/>
-          </a:p>
-        </p:txBody>
-      </p:sp>
-      <p:sp>
-        <p:nvSpPr>
-          <p:cNvPr id="31" name="Google Shape;31;p3"/>
-          <p:cNvSpPr txBox="1"/>
-          <p:nvPr/>
-        </p:nvSpPr>
-        <p:spPr>
-          <a:xfrm>
-            <a:off x="16144201" y="344575"/>
-            <a:ext cx="1069800" cy="307800"/>
-          </a:xfrm>
-          <a:prstGeom prst="rect">
-            <a:avLst/>
-          </a:prstGeom>
-          <a:noFill/>
-          <a:ln>
-            <a:noFill/>
-          </a:ln>
-        </p:spPr>
-        <p:txBody>
-          <a:bodyPr spcFirstLastPara="1" wrap="square" lIns="0" tIns="0" rIns="0" bIns="0" anchor="t" anchorCtr="0">
-            <a:spAutoFit/>
-          </a:bodyPr>
-          <a:lstStyle/>
-          <a:p>
-            <a:pPr marL="0" marR="0" lvl="0" indent="0" algn="ctr" rtl="0">
-              <a:lnSpc>
-                <a:spcPct val="140000"/>
-              </a:lnSpc>
-              <a:spcBef>
-                <a:spcPts val="0"/>
-              </a:spcBef>
-              <a:spcAft>
-                <a:spcPts val="0"/>
-              </a:spcAft>
-              <a:buNone/>
-            </a:pPr>
-            <a:r>
-              <a:rPr lang="en-US" sz="2000" b="1" i="0" u="none" strike="noStrike" cap="none">
-                <a:solidFill>
-                  <a:srgbClr val="FFFFFF"/>
-                </a:solidFill>
-                <a:latin typeface="Open Sans"/>
-                <a:ea typeface="Open Sans"/>
-                <a:cs typeface="Open Sans"/>
-                <a:sym typeface="Open Sans"/>
-              </a:rPr>
-              <a:t>Contact</a:t>
-            </a:r>
-            <a:endParaRPr/>
-          </a:p>
-        </p:txBody>
-      </p:sp>
-      <p:sp>
-        <p:nvSpPr>
-          <p:cNvPr id="32" name="Google Shape;32;p3"/>
-          <p:cNvSpPr txBox="1"/>
-          <p:nvPr/>
-        </p:nvSpPr>
-        <p:spPr>
-          <a:xfrm>
-            <a:off x="8856102" y="344575"/>
-            <a:ext cx="907800" cy="307800"/>
-          </a:xfrm>
-          <a:prstGeom prst="rect">
-            <a:avLst/>
-          </a:prstGeom>
-          <a:noFill/>
-          <a:ln>
-            <a:noFill/>
-          </a:ln>
-        </p:spPr>
-        <p:txBody>
-          <a:bodyPr spcFirstLastPara="1" wrap="square" lIns="0" tIns="0" rIns="0" bIns="0" anchor="t" anchorCtr="0">
-            <a:spAutoFit/>
-          </a:bodyPr>
-          <a:lstStyle/>
-          <a:p>
-            <a:pPr marL="0" marR="0" lvl="0" indent="0" algn="ctr" rtl="0">
-              <a:lnSpc>
-                <a:spcPct val="140000"/>
-              </a:lnSpc>
-              <a:spcBef>
-                <a:spcPts val="0"/>
-              </a:spcBef>
-              <a:spcAft>
-                <a:spcPts val="0"/>
-              </a:spcAft>
-              <a:buNone/>
-            </a:pPr>
-            <a:r>
-              <a:rPr lang="en-US" sz="2000" b="1" i="0" u="none" strike="noStrike" cap="none">
-                <a:solidFill>
-                  <a:srgbClr val="FFFFFF"/>
-                </a:solidFill>
-                <a:latin typeface="Open Sans"/>
-                <a:ea typeface="Open Sans"/>
-                <a:cs typeface="Open Sans"/>
-                <a:sym typeface="Open Sans"/>
-              </a:rPr>
-              <a:t>About</a:t>
-            </a:r>
-            <a:endParaRPr/>
-          </a:p>
-        </p:txBody>
-      </p:sp>
-      <p:sp>
-        <p:nvSpPr>
-          <p:cNvPr id="33" name="Google Shape;33;p3"/>
-          <p:cNvSpPr txBox="1"/>
-          <p:nvPr/>
-        </p:nvSpPr>
-        <p:spPr>
-          <a:xfrm>
-            <a:off x="5300151" y="344575"/>
-            <a:ext cx="844500" cy="307800"/>
-          </a:xfrm>
-          <a:prstGeom prst="rect">
-            <a:avLst/>
-          </a:prstGeom>
-          <a:noFill/>
-          <a:ln>
-            <a:noFill/>
-          </a:ln>
-        </p:spPr>
-        <p:txBody>
-          <a:bodyPr spcFirstLastPara="1" wrap="square" lIns="0" tIns="0" rIns="0" bIns="0" anchor="t" anchorCtr="0">
-            <a:spAutoFit/>
-          </a:bodyPr>
-          <a:lstStyle/>
-          <a:p>
-            <a:pPr marL="0" marR="0" lvl="0" indent="0" algn="ctr" rtl="0">
-              <a:lnSpc>
-                <a:spcPct val="140000"/>
-              </a:lnSpc>
-              <a:spcBef>
-                <a:spcPts val="0"/>
-              </a:spcBef>
-              <a:spcAft>
-                <a:spcPts val="0"/>
-              </a:spcAft>
-              <a:buNone/>
-            </a:pPr>
-            <a:r>
-              <a:rPr lang="en-US" sz="2000" b="1" i="0" u="none" strike="noStrike" cap="none">
-                <a:solidFill>
-                  <a:srgbClr val="FFFFFF"/>
-                </a:solidFill>
-                <a:latin typeface="Open Sans"/>
-                <a:ea typeface="Open Sans"/>
-                <a:cs typeface="Open Sans"/>
-                <a:sym typeface="Open Sans"/>
-              </a:rPr>
-              <a:t>Home</a:t>
-            </a:r>
-            <a:endParaRPr/>
-          </a:p>
-        </p:txBody>
-      </p:sp>
-      <p:sp>
-        <p:nvSpPr>
-          <p:cNvPr id="34" name="Google Shape;34;p3"/>
-          <p:cNvSpPr txBox="1"/>
-          <p:nvPr/>
-        </p:nvSpPr>
-        <p:spPr>
-          <a:xfrm>
-            <a:off x="1905801" y="329550"/>
-            <a:ext cx="907800" cy="307800"/>
-          </a:xfrm>
-          <a:prstGeom prst="rect">
-            <a:avLst/>
-          </a:prstGeom>
-          <a:noFill/>
-          <a:ln>
-            <a:noFill/>
-          </a:ln>
-        </p:spPr>
-        <p:txBody>
-          <a:bodyPr spcFirstLastPara="1" wrap="square" lIns="0" tIns="0" rIns="0" bIns="0" anchor="t" anchorCtr="0">
-            <a:spAutoFit/>
-          </a:bodyPr>
-          <a:lstStyle/>
-          <a:p>
-            <a:pPr marL="0" marR="0" lvl="0" indent="0" algn="ctr" rtl="0">
-              <a:lnSpc>
-                <a:spcPct val="140000"/>
-              </a:lnSpc>
-              <a:spcBef>
-                <a:spcPts val="0"/>
-              </a:spcBef>
-              <a:spcAft>
-                <a:spcPts val="0"/>
-              </a:spcAft>
-              <a:buNone/>
-            </a:pPr>
-            <a:r>
-              <a:rPr lang="en-US" sz="2000" b="1" i="0" u="none" strike="noStrike" cap="none">
-                <a:solidFill>
-                  <a:srgbClr val="FFFFFF"/>
-                </a:solidFill>
-                <a:latin typeface="Open Sans"/>
-                <a:ea typeface="Open Sans"/>
-                <a:cs typeface="Open Sans"/>
-                <a:sym typeface="Open Sans"/>
-              </a:rPr>
-              <a:t>LOGO</a:t>
-            </a:r>
-            <a:endParaRPr/>
-          </a:p>
-        </p:txBody>
-      </p:sp>
-    </p:spTree>
-  </p:cSld>
-  <p:clrMapOvr>
-    <a:masterClrMapping/>
-  </p:clrMapOvr>
-</p:sldLayout>
-</file>
-
-<file path=ppt/slideLayouts/slideLayout3.xml><?xml version="1.0" encoding="utf-8"?>
 <p:sldLayout xmlns:a="http://schemas.openxmlformats.org/drawingml/2006/main" xmlns:r="http://schemas.openxmlformats.org/officeDocument/2006/relationships" xmlns:p="http://schemas.openxmlformats.org/presentationml/2006/main" showMasterSp="0" matchingName="Title and Content" type="obj">
   <p:cSld name="OBJECT">
     <p:spTree>
@@ -4821,7 +4023,7 @@
 </p:sldLayout>
 </file>
 
-<file path=ppt/slideLayouts/slideLayout4.xml><?xml version="1.0" encoding="utf-8"?>
+<file path=ppt/slideLayouts/slideLayout3.xml><?xml version="1.0" encoding="utf-8"?>
 <p:sldLayout xmlns:a="http://schemas.openxmlformats.org/drawingml/2006/main" xmlns:r="http://schemas.openxmlformats.org/officeDocument/2006/relationships" xmlns:p="http://schemas.openxmlformats.org/presentationml/2006/main" showMasterSp="0" matchingName="Section Header" type="secHead">
   <p:cSld name="SECTION_HEADER">
     <p:spTree>
@@ -5748,7 +4950,7 @@
 </p:sldLayout>
 </file>
 
-<file path=ppt/slideLayouts/slideLayout5.xml><?xml version="1.0" encoding="utf-8"?>
+<file path=ppt/slideLayouts/slideLayout4.xml><?xml version="1.0" encoding="utf-8"?>
 <p:sldLayout xmlns:a="http://schemas.openxmlformats.org/drawingml/2006/main" xmlns:r="http://schemas.openxmlformats.org/officeDocument/2006/relationships" xmlns:p="http://schemas.openxmlformats.org/presentationml/2006/main" showMasterSp="0" matchingName="Two Content" type="twoObj">
   <p:cSld name="TWO_OBJECTS">
     <p:spTree>
@@ -6861,7 +6063,7 @@
 </p:sldLayout>
 </file>
 
-<file path=ppt/slideLayouts/slideLayout6.xml><?xml version="1.0" encoding="utf-8"?>
+<file path=ppt/slideLayouts/slideLayout5.xml><?xml version="1.0" encoding="utf-8"?>
 <p:sldLayout xmlns:a="http://schemas.openxmlformats.org/drawingml/2006/main" xmlns:r="http://schemas.openxmlformats.org/officeDocument/2006/relationships" xmlns:p="http://schemas.openxmlformats.org/presentationml/2006/main" showMasterSp="0" matchingName="Comparison" type="twoTxTwoObj">
   <p:cSld name="TWO_OBJECTS_WITH_TEXT">
     <p:spTree>
@@ -7975,7 +7177,7 @@
 </p:sldLayout>
 </file>
 
-<file path=ppt/slideLayouts/slideLayout7.xml><?xml version="1.0" encoding="utf-8"?>
+<file path=ppt/slideLayouts/slideLayout6.xml><?xml version="1.0" encoding="utf-8"?>
 <p:sldLayout xmlns:a="http://schemas.openxmlformats.org/drawingml/2006/main" xmlns:r="http://schemas.openxmlformats.org/officeDocument/2006/relationships" xmlns:p="http://schemas.openxmlformats.org/presentationml/2006/main" showMasterSp="0" matchingName="Title Only" type="titleOnly">
   <p:cSld name="TITLE_ONLY">
     <p:spTree>
@@ -8768,7 +7970,7 @@
 </p:sldLayout>
 </file>
 
-<file path=ppt/slideLayouts/slideLayout8.xml><?xml version="1.0" encoding="utf-8"?>
+<file path=ppt/slideLayouts/slideLayout7.xml><?xml version="1.0" encoding="utf-8"?>
 <p:sldLayout xmlns:a="http://schemas.openxmlformats.org/drawingml/2006/main" xmlns:r="http://schemas.openxmlformats.org/officeDocument/2006/relationships" xmlns:p="http://schemas.openxmlformats.org/presentationml/2006/main" showMasterSp="0" matchingName="Content with Caption" type="objTx">
   <p:cSld name="OBJECT_WITH_CAPTION_TEXT">
     <p:spTree>
@@ -9929,7 +9131,7 @@
 </p:sldLayout>
 </file>
 
-<file path=ppt/slideLayouts/slideLayout9.xml><?xml version="1.0" encoding="utf-8"?>
+<file path=ppt/slideLayouts/slideLayout8.xml><?xml version="1.0" encoding="utf-8"?>
 <p:sldLayout xmlns:a="http://schemas.openxmlformats.org/drawingml/2006/main" xmlns:r="http://schemas.openxmlformats.org/officeDocument/2006/relationships" xmlns:p="http://schemas.openxmlformats.org/presentationml/2006/main" showMasterSp="0" matchingName="Picture with Caption" type="picTx">
   <p:cSld name="PICTURE_WITH_CAPTION_TEXT">
     <p:spTree>
@@ -11325,14 +10527,13 @@
   <p:clrMap bg1="lt1" tx1="dk1" bg2="dk2" tx2="lt2" accent1="accent1" accent2="accent2" accent3="accent3" accent4="accent4" accent5="accent5" accent6="accent6" hlink="hlink" folHlink="folHlink"/>
   <p:sldLayoutIdLst>
     <p:sldLayoutId id="2147483648" r:id="rId1"/>
-    <p:sldLayoutId id="2147483649" r:id="rId2"/>
-    <p:sldLayoutId id="2147483650" r:id="rId3"/>
-    <p:sldLayoutId id="2147483651" r:id="rId4"/>
-    <p:sldLayoutId id="2147483652" r:id="rId5"/>
-    <p:sldLayoutId id="2147483653" r:id="rId6"/>
-    <p:sldLayoutId id="2147483654" r:id="rId7"/>
-    <p:sldLayoutId id="2147483655" r:id="rId8"/>
-    <p:sldLayoutId id="2147483656" r:id="rId9"/>
+    <p:sldLayoutId id="2147483650" r:id="rId2"/>
+    <p:sldLayoutId id="2147483651" r:id="rId3"/>
+    <p:sldLayoutId id="2147483652" r:id="rId4"/>
+    <p:sldLayoutId id="2147483653" r:id="rId5"/>
+    <p:sldLayoutId id="2147483654" r:id="rId6"/>
+    <p:sldLayoutId id="2147483655" r:id="rId7"/>
+    <p:sldLayoutId id="2147483656" r:id="rId8"/>
   </p:sldLayoutIdLst>
   <p:hf sldNum="0" hdr="0" ftr="0" dt="0"/>
   <p:txStyles>
@@ -12748,6 +11949,815 @@
   <p:cSld>
     <p:spTree>
       <p:nvGrpSpPr>
+        <p:cNvPr id="1" name="Shape 228">
+          <a:extLst>
+            <a:ext uri="{FF2B5EF4-FFF2-40B4-BE49-F238E27FC236}">
+              <a16:creationId xmlns:a16="http://schemas.microsoft.com/office/drawing/2014/main" id="{52C02F06-2301-5366-AF8F-4C9FBDBC429A}"/>
+            </a:ext>
+          </a:extLst>
+        </p:cNvPr>
+        <p:cNvGrpSpPr/>
+        <p:nvPr/>
+      </p:nvGrpSpPr>
+      <p:grpSpPr>
+        <a:xfrm>
+          <a:off x="0" y="0"/>
+          <a:ext cx="0" cy="0"/>
+          <a:chOff x="0" y="0"/>
+          <a:chExt cx="0" cy="0"/>
+        </a:xfrm>
+      </p:grpSpPr>
+      <p:sp>
+        <p:nvSpPr>
+          <p:cNvPr id="10" name="Elipse 9">
+            <a:extLst>
+              <a:ext uri="{FF2B5EF4-FFF2-40B4-BE49-F238E27FC236}">
+                <a16:creationId xmlns:a16="http://schemas.microsoft.com/office/drawing/2014/main" id="{7B7EB999-3B05-91F6-C3FC-ED3B0B77BAFA}"/>
+              </a:ext>
+            </a:extLst>
+          </p:cNvPr>
+          <p:cNvSpPr/>
+          <p:nvPr/>
+        </p:nvSpPr>
+        <p:spPr>
+          <a:xfrm>
+            <a:off x="6248857" y="2830283"/>
+            <a:ext cx="534675" cy="584775"/>
+          </a:xfrm>
+          <a:prstGeom prst="ellipse">
+            <a:avLst/>
+          </a:prstGeom>
+          <a:ln>
+            <a:noFill/>
+          </a:ln>
+        </p:spPr>
+        <p:style>
+          <a:lnRef idx="2">
+            <a:schemeClr val="accent1">
+              <a:shade val="15000"/>
+            </a:schemeClr>
+          </a:lnRef>
+          <a:fillRef idx="1">
+            <a:schemeClr val="accent1"/>
+          </a:fillRef>
+          <a:effectRef idx="0">
+            <a:schemeClr val="accent1"/>
+          </a:effectRef>
+          <a:fontRef idx="minor">
+            <a:schemeClr val="lt1"/>
+          </a:fontRef>
+        </p:style>
+        <p:txBody>
+          <a:bodyPr rtlCol="0" anchor="ctr"/>
+          <a:lstStyle/>
+          <a:p>
+            <a:pPr algn="ctr"/>
+            <a:endParaRPr lang="es-ES"/>
+          </a:p>
+        </p:txBody>
+      </p:sp>
+      <p:grpSp>
+        <p:nvGrpSpPr>
+          <p:cNvPr id="232" name="Google Shape;232;p13">
+            <a:extLst>
+              <a:ext uri="{FF2B5EF4-FFF2-40B4-BE49-F238E27FC236}">
+                <a16:creationId xmlns:a16="http://schemas.microsoft.com/office/drawing/2014/main" id="{06DCA807-9B19-B038-5229-39C827799BA9}"/>
+              </a:ext>
+            </a:extLst>
+          </p:cNvPr>
+          <p:cNvGrpSpPr/>
+          <p:nvPr/>
+        </p:nvGrpSpPr>
+        <p:grpSpPr>
+          <a:xfrm>
+            <a:off x="-2584052" y="919959"/>
+            <a:ext cx="15237371" cy="943680"/>
+            <a:chOff x="0" y="-47625"/>
+            <a:chExt cx="3007876" cy="235119"/>
+          </a:xfrm>
+        </p:grpSpPr>
+        <p:sp>
+          <p:nvSpPr>
+            <p:cNvPr id="233" name="Google Shape;233;p13">
+              <a:extLst>
+                <a:ext uri="{FF2B5EF4-FFF2-40B4-BE49-F238E27FC236}">
+                  <a16:creationId xmlns:a16="http://schemas.microsoft.com/office/drawing/2014/main" id="{ABDFEDCB-A78F-F015-3074-0107B13418F5}"/>
+                </a:ext>
+              </a:extLst>
+            </p:cNvPr>
+            <p:cNvSpPr/>
+            <p:nvPr/>
+          </p:nvSpPr>
+          <p:spPr>
+            <a:xfrm>
+              <a:off x="0" y="0"/>
+              <a:ext cx="3007876" cy="187494"/>
+            </a:xfrm>
+            <a:custGeom>
+              <a:avLst/>
+              <a:gdLst/>
+              <a:ahLst/>
+              <a:cxnLst/>
+              <a:rect l="l" t="t" r="r" b="b"/>
+              <a:pathLst>
+                <a:path w="3007876" h="187494" extrusionOk="0">
+                  <a:moveTo>
+                    <a:pt x="32706" y="0"/>
+                  </a:moveTo>
+                  <a:lnTo>
+                    <a:pt x="2975170" y="0"/>
+                  </a:lnTo>
+                  <a:cubicBezTo>
+                    <a:pt x="2993233" y="0"/>
+                    <a:pt x="3007876" y="14643"/>
+                    <a:pt x="3007876" y="32706"/>
+                  </a:cubicBezTo>
+                  <a:lnTo>
+                    <a:pt x="3007876" y="154789"/>
+                  </a:lnTo>
+                  <a:cubicBezTo>
+                    <a:pt x="3007876" y="172851"/>
+                    <a:pt x="2993233" y="187494"/>
+                    <a:pt x="2975170" y="187494"/>
+                  </a:cubicBezTo>
+                  <a:lnTo>
+                    <a:pt x="32706" y="187494"/>
+                  </a:lnTo>
+                  <a:cubicBezTo>
+                    <a:pt x="14643" y="187494"/>
+                    <a:pt x="0" y="172851"/>
+                    <a:pt x="0" y="154789"/>
+                  </a:cubicBezTo>
+                  <a:lnTo>
+                    <a:pt x="0" y="32706"/>
+                  </a:lnTo>
+                  <a:cubicBezTo>
+                    <a:pt x="0" y="14643"/>
+                    <a:pt x="14643" y="0"/>
+                    <a:pt x="32706" y="0"/>
+                  </a:cubicBezTo>
+                  <a:close/>
+                </a:path>
+              </a:pathLst>
+            </a:custGeom>
+            <a:solidFill>
+              <a:srgbClr val="FFC803"/>
+            </a:solidFill>
+            <a:ln>
+              <a:noFill/>
+            </a:ln>
+          </p:spPr>
+          <p:txBody>
+            <a:bodyPr spcFirstLastPara="1" wrap="square" lIns="91425" tIns="91425" rIns="91425" bIns="91425" anchor="ctr" anchorCtr="0">
+              <a:noAutofit/>
+            </a:bodyPr>
+            <a:lstStyle/>
+            <a:p>
+              <a:pPr marL="0" lvl="0" indent="0" algn="l" rtl="0">
+                <a:spcBef>
+                  <a:spcPts val="0"/>
+                </a:spcBef>
+                <a:spcAft>
+                  <a:spcPts val="0"/>
+                </a:spcAft>
+                <a:buNone/>
+              </a:pPr>
+              <a:endParaRPr/>
+            </a:p>
+          </p:txBody>
+        </p:sp>
+        <p:sp>
+          <p:nvSpPr>
+            <p:cNvPr id="234" name="Google Shape;234;p13">
+              <a:extLst>
+                <a:ext uri="{FF2B5EF4-FFF2-40B4-BE49-F238E27FC236}">
+                  <a16:creationId xmlns:a16="http://schemas.microsoft.com/office/drawing/2014/main" id="{BFA1AE23-3657-91C0-031C-716294DB059A}"/>
+                </a:ext>
+              </a:extLst>
+            </p:cNvPr>
+            <p:cNvSpPr txBox="1"/>
+            <p:nvPr/>
+          </p:nvSpPr>
+          <p:spPr>
+            <a:xfrm>
+              <a:off x="0" y="-47625"/>
+              <a:ext cx="3007876" cy="235119"/>
+            </a:xfrm>
+            <a:prstGeom prst="rect">
+              <a:avLst/>
+            </a:prstGeom>
+            <a:noFill/>
+            <a:ln>
+              <a:noFill/>
+            </a:ln>
+          </p:spPr>
+          <p:txBody>
+            <a:bodyPr spcFirstLastPara="1" wrap="square" lIns="50800" tIns="50800" rIns="50800" bIns="50800" anchor="ctr" anchorCtr="0">
+              <a:noAutofit/>
+            </a:bodyPr>
+            <a:lstStyle/>
+            <a:p>
+              <a:pPr marL="0" marR="0" lvl="0" indent="0" algn="ctr" rtl="0">
+                <a:lnSpc>
+                  <a:spcPct val="155555"/>
+                </a:lnSpc>
+                <a:spcBef>
+                  <a:spcPts val="0"/>
+                </a:spcBef>
+                <a:spcAft>
+                  <a:spcPts val="0"/>
+                </a:spcAft>
+                <a:buNone/>
+              </a:pPr>
+              <a:endParaRPr sz="1800" b="0" i="0" u="none" strike="noStrike" cap="none">
+                <a:solidFill>
+                  <a:schemeClr val="dk1"/>
+                </a:solidFill>
+                <a:latin typeface="Calibri"/>
+                <a:ea typeface="Calibri"/>
+                <a:cs typeface="Calibri"/>
+                <a:sym typeface="Calibri"/>
+              </a:endParaRPr>
+            </a:p>
+          </p:txBody>
+        </p:sp>
+      </p:grpSp>
+      <p:sp>
+        <p:nvSpPr>
+          <p:cNvPr id="237" name="Google Shape;237;p13">
+            <a:extLst>
+              <a:ext uri="{FF2B5EF4-FFF2-40B4-BE49-F238E27FC236}">
+                <a16:creationId xmlns:a16="http://schemas.microsoft.com/office/drawing/2014/main" id="{756FDE5D-D508-00E8-85D4-25AF69AD7C66}"/>
+              </a:ext>
+            </a:extLst>
+          </p:cNvPr>
+          <p:cNvSpPr txBox="1"/>
+          <p:nvPr/>
+        </p:nvSpPr>
+        <p:spPr>
+          <a:xfrm>
+            <a:off x="1609018" y="464777"/>
+            <a:ext cx="12072481" cy="1292662"/>
+          </a:xfrm>
+          <a:prstGeom prst="rect">
+            <a:avLst/>
+          </a:prstGeom>
+          <a:noFill/>
+          <a:ln>
+            <a:noFill/>
+          </a:ln>
+        </p:spPr>
+        <p:txBody>
+          <a:bodyPr spcFirstLastPara="1" wrap="square" lIns="0" tIns="0" rIns="0" bIns="0" anchor="t" anchorCtr="0">
+            <a:spAutoFit/>
+          </a:bodyPr>
+          <a:lstStyle/>
+          <a:p>
+            <a:pPr marL="0" marR="0" lvl="0" indent="0" algn="l" rtl="0">
+              <a:lnSpc>
+                <a:spcPct val="140000"/>
+              </a:lnSpc>
+              <a:spcBef>
+                <a:spcPts val="0"/>
+              </a:spcBef>
+              <a:spcAft>
+                <a:spcPts val="0"/>
+              </a:spcAft>
+              <a:buNone/>
+            </a:pPr>
+            <a:r>
+              <a:rPr lang="en-US" sz="6000" b="1" i="0" u="none" strike="noStrike" cap="none" dirty="0">
+                <a:solidFill>
+                  <a:srgbClr val="000000"/>
+                </a:solidFill>
+                <a:latin typeface="Open Sans"/>
+                <a:ea typeface="Open Sans"/>
+                <a:cs typeface="Open Sans"/>
+                <a:sym typeface="Open Sans"/>
+              </a:rPr>
+              <a:t>Hands-On – Assignment 5</a:t>
+            </a:r>
+            <a:endParaRPr sz="1100" dirty="0"/>
+          </a:p>
+        </p:txBody>
+      </p:sp>
+      <p:sp>
+        <p:nvSpPr>
+          <p:cNvPr id="9" name="CuadroTexto 8">
+            <a:extLst>
+              <a:ext uri="{FF2B5EF4-FFF2-40B4-BE49-F238E27FC236}">
+                <a16:creationId xmlns:a16="http://schemas.microsoft.com/office/drawing/2014/main" id="{A3841BC6-AC4C-97FC-0740-1C1251AA2DBD}"/>
+              </a:ext>
+            </a:extLst>
+          </p:cNvPr>
+          <p:cNvSpPr txBox="1"/>
+          <p:nvPr/>
+        </p:nvSpPr>
+        <p:spPr>
+          <a:xfrm>
+            <a:off x="6248857" y="2830283"/>
+            <a:ext cx="5790286" cy="584775"/>
+          </a:xfrm>
+          <a:prstGeom prst="rect">
+            <a:avLst/>
+          </a:prstGeom>
+          <a:noFill/>
+        </p:spPr>
+        <p:txBody>
+          <a:bodyPr wrap="square" rtlCol="0">
+            <a:spAutoFit/>
+          </a:bodyPr>
+          <a:lstStyle/>
+          <a:p>
+            <a:r>
+              <a:rPr lang="es-ES" sz="3200" b="1" dirty="0">
+                <a:solidFill>
+                  <a:schemeClr val="tx1"/>
+                </a:solidFill>
+              </a:rPr>
+              <a:t>5. </a:t>
+            </a:r>
+            <a:r>
+              <a:rPr lang="es-ES" sz="3200" b="1" dirty="0" err="1">
+                <a:solidFill>
+                  <a:schemeClr val="tx1"/>
+                </a:solidFill>
+                <a:highlight>
+                  <a:srgbClr val="00FFFF"/>
+                </a:highlight>
+              </a:rPr>
+              <a:t>queries-with-links.spaqrl</a:t>
+            </a:r>
+            <a:endParaRPr lang="es-ES" sz="2400" dirty="0">
+              <a:highlight>
+                <a:srgbClr val="00FFFF"/>
+              </a:highlight>
+              <a:latin typeface="Open Sans" panose="020B0606030504020204" pitchFamily="34" charset="0"/>
+              <a:ea typeface="Open Sans" panose="020B0606030504020204" pitchFamily="34" charset="0"/>
+              <a:cs typeface="Open Sans" panose="020B0606030504020204" pitchFamily="34" charset="0"/>
+            </a:endParaRPr>
+          </a:p>
+        </p:txBody>
+      </p:sp>
+      <p:sp>
+        <p:nvSpPr>
+          <p:cNvPr id="2" name="Rectangle 1">
+            <a:extLst>
+              <a:ext uri="{FF2B5EF4-FFF2-40B4-BE49-F238E27FC236}">
+                <a16:creationId xmlns:a16="http://schemas.microsoft.com/office/drawing/2014/main" id="{9CCD1903-B817-F153-700B-6C688D5ACB72}"/>
+              </a:ext>
+            </a:extLst>
+          </p:cNvPr>
+          <p:cNvSpPr>
+            <a:spLocks noChangeArrowheads="1"/>
+          </p:cNvSpPr>
+          <p:nvPr/>
+        </p:nvSpPr>
+        <p:spPr bwMode="auto">
+          <a:xfrm>
+            <a:off x="1609018" y="4381702"/>
+            <a:ext cx="7280031" cy="4154984"/>
+          </a:xfrm>
+          <a:prstGeom prst="rect">
+            <a:avLst/>
+          </a:prstGeom>
+          <a:noFill/>
+          <a:ln>
+            <a:noFill/>
+          </a:ln>
+          <a:effectLst/>
+          <a:extLst>
+            <a:ext uri="{909E8E84-426E-40DD-AFC4-6F175D3DCCD1}">
+              <a14:hiddenFill xmlns:a14="http://schemas.microsoft.com/office/drawing/2010/main">
+                <a:solidFill>
+                  <a:schemeClr val="accent1"/>
+                </a:solidFill>
+              </a14:hiddenFill>
+            </a:ext>
+            <a:ext uri="{91240B29-F687-4F45-9708-019B960494DF}">
+              <a14:hiddenLine xmlns:a14="http://schemas.microsoft.com/office/drawing/2010/main" w="9525">
+                <a:solidFill>
+                  <a:schemeClr val="tx1"/>
+                </a:solidFill>
+                <a:miter lim="800000"/>
+                <a:headEnd/>
+                <a:tailEnd/>
+              </a14:hiddenLine>
+            </a:ext>
+            <a:ext uri="{AF507438-7753-43E0-B8FC-AC1667EBCBE1}">
+              <a14:hiddenEffects xmlns:a14="http://schemas.microsoft.com/office/drawing/2010/main">
+                <a:effectLst>
+                  <a:outerShdw dist="35921" dir="2700000" algn="ctr" rotWithShape="0">
+                    <a:schemeClr val="bg2"/>
+                  </a:outerShdw>
+                </a:effectLst>
+              </a14:hiddenEffects>
+            </a:ext>
+          </a:extLst>
+        </p:spPr>
+        <p:txBody>
+          <a:bodyPr vert="horz" wrap="square" lIns="91440" tIns="45720" rIns="91440" bIns="45720" numCol="1" anchor="ctr" anchorCtr="0" compatLnSpc="1">
+            <a:prstTxWarp prst="textNoShape">
+              <a:avLst/>
+            </a:prstTxWarp>
+            <a:spAutoFit/>
+          </a:bodyPr>
+          <a:lstStyle/>
+          <a:p>
+            <a:pPr marL="0" marR="0" lvl="0" indent="0" algn="l" defTabSz="914400" rtl="0" eaLnBrk="0" fontAlgn="base" latinLnBrk="0" hangingPunct="0">
+              <a:lnSpc>
+                <a:spcPct val="100000"/>
+              </a:lnSpc>
+              <a:spcBef>
+                <a:spcPct val="0"/>
+              </a:spcBef>
+              <a:spcAft>
+                <a:spcPct val="0"/>
+              </a:spcAft>
+              <a:buClrTx/>
+              <a:buSzTx/>
+              <a:buFontTx/>
+              <a:buNone/>
+              <a:tabLst/>
+            </a:pPr>
+            <a:r>
+              <a:rPr kumimoji="0" lang="es-ES" altLang="es-ES" sz="2400" b="1" i="0" u="none" strike="noStrike" cap="none" normalizeH="0" baseline="0" dirty="0">
+                <a:ln>
+                  <a:noFill/>
+                </a:ln>
+                <a:solidFill>
+                  <a:srgbClr val="000000"/>
+                </a:solidFill>
+                <a:effectLst/>
+                <a:latin typeface="Open Sans" panose="020B0606030504020204" pitchFamily="34" charset="0"/>
+                <a:ea typeface="Open Sans" panose="020B0606030504020204" pitchFamily="34" charset="0"/>
+                <a:cs typeface="Open Sans" panose="020B0606030504020204" pitchFamily="34" charset="0"/>
+              </a:rPr>
+              <a:t>Incluye consultas para:</a:t>
+            </a:r>
+            <a:endParaRPr kumimoji="0" lang="es-ES" altLang="es-ES" sz="2400" b="0" i="0" u="none" strike="noStrike" cap="none" normalizeH="0" baseline="0" dirty="0">
+              <a:ln>
+                <a:noFill/>
+              </a:ln>
+              <a:solidFill>
+                <a:schemeClr val="tx1"/>
+              </a:solidFill>
+              <a:effectLst/>
+              <a:latin typeface="Open Sans" panose="020B0606030504020204" pitchFamily="34" charset="0"/>
+              <a:ea typeface="Open Sans" panose="020B0606030504020204" pitchFamily="34" charset="0"/>
+              <a:cs typeface="Open Sans" panose="020B0606030504020204" pitchFamily="34" charset="0"/>
+            </a:endParaRPr>
+          </a:p>
+          <a:p>
+            <a:pPr marL="342900" marR="0" lvl="0" indent="-342900" algn="l" defTabSz="914400" rtl="0" eaLnBrk="0" fontAlgn="base" latinLnBrk="0" hangingPunct="0">
+              <a:lnSpc>
+                <a:spcPct val="100000"/>
+              </a:lnSpc>
+              <a:spcBef>
+                <a:spcPct val="0"/>
+              </a:spcBef>
+              <a:spcAft>
+                <a:spcPct val="0"/>
+              </a:spcAft>
+              <a:buClr>
+                <a:srgbClr val="FFC000"/>
+              </a:buClr>
+              <a:buSzTx/>
+              <a:buFont typeface="Wingdings" pitchFamily="2" charset="2"/>
+              <a:buChar char="§"/>
+              <a:tabLst/>
+            </a:pPr>
+            <a:r>
+              <a:rPr kumimoji="0" lang="es-ES" altLang="es-ES" sz="2400" b="0" i="0" u="none" strike="noStrike" cap="none" normalizeH="0" baseline="0" dirty="0">
+                <a:ln>
+                  <a:noFill/>
+                </a:ln>
+                <a:solidFill>
+                  <a:srgbClr val="000000"/>
+                </a:solidFill>
+                <a:effectLst/>
+                <a:latin typeface="Open Sans" panose="020B0606030504020204" pitchFamily="34" charset="0"/>
+                <a:ea typeface="Open Sans" panose="020B0606030504020204" pitchFamily="34" charset="0"/>
+                <a:cs typeface="Open Sans" panose="020B0606030504020204" pitchFamily="34" charset="0"/>
+              </a:rPr>
+              <a:t>Verificar estaciones reconciliadas y su información geográfica.</a:t>
+            </a:r>
+          </a:p>
+          <a:p>
+            <a:pPr marL="342900" marR="0" lvl="0" indent="-342900" algn="l" defTabSz="914400" rtl="0" eaLnBrk="0" fontAlgn="base" latinLnBrk="0" hangingPunct="0">
+              <a:lnSpc>
+                <a:spcPct val="100000"/>
+              </a:lnSpc>
+              <a:spcBef>
+                <a:spcPct val="0"/>
+              </a:spcBef>
+              <a:spcAft>
+                <a:spcPct val="0"/>
+              </a:spcAft>
+              <a:buClr>
+                <a:schemeClr val="accent1"/>
+              </a:buClr>
+              <a:buSzTx/>
+              <a:buFont typeface="Wingdings" pitchFamily="2" charset="2"/>
+              <a:buChar char="§"/>
+              <a:tabLst/>
+            </a:pPr>
+            <a:r>
+              <a:rPr kumimoji="0" lang="es-ES" altLang="es-ES" sz="2400" b="0" i="0" u="none" strike="noStrike" cap="none" normalizeH="0" baseline="0" dirty="0">
+                <a:ln>
+                  <a:noFill/>
+                </a:ln>
+                <a:solidFill>
+                  <a:srgbClr val="000000"/>
+                </a:solidFill>
+                <a:effectLst/>
+                <a:latin typeface="Open Sans" panose="020B0606030504020204" pitchFamily="34" charset="0"/>
+                <a:ea typeface="Open Sans" panose="020B0606030504020204" pitchFamily="34" charset="0"/>
+                <a:cs typeface="Open Sans" panose="020B0606030504020204" pitchFamily="34" charset="0"/>
+              </a:rPr>
+              <a:t>Comprobar lecturas con su fecha, calidad y contaminantes.</a:t>
+            </a:r>
+          </a:p>
+          <a:p>
+            <a:pPr marL="342900" marR="0" lvl="0" indent="-342900" algn="l" defTabSz="914400" rtl="0" eaLnBrk="0" fontAlgn="base" latinLnBrk="0" hangingPunct="0">
+              <a:lnSpc>
+                <a:spcPct val="100000"/>
+              </a:lnSpc>
+              <a:spcBef>
+                <a:spcPct val="0"/>
+              </a:spcBef>
+              <a:spcAft>
+                <a:spcPct val="0"/>
+              </a:spcAft>
+              <a:buClr>
+                <a:schemeClr val="accent1"/>
+              </a:buClr>
+              <a:buSzTx/>
+              <a:buFont typeface="Wingdings" pitchFamily="2" charset="2"/>
+              <a:buChar char="§"/>
+              <a:tabLst/>
+            </a:pPr>
+            <a:r>
+              <a:rPr kumimoji="0" lang="es-ES" altLang="es-ES" sz="2400" b="0" i="0" u="none" strike="noStrike" cap="none" normalizeH="0" baseline="0" dirty="0">
+                <a:ln>
+                  <a:noFill/>
+                </a:ln>
+                <a:solidFill>
+                  <a:srgbClr val="000000"/>
+                </a:solidFill>
+                <a:effectLst/>
+                <a:latin typeface="Open Sans" panose="020B0606030504020204" pitchFamily="34" charset="0"/>
+                <a:ea typeface="Open Sans" panose="020B0606030504020204" pitchFamily="34" charset="0"/>
+                <a:cs typeface="Open Sans" panose="020B0606030504020204" pitchFamily="34" charset="0"/>
+              </a:rPr>
+              <a:t>Validar el enlace </a:t>
+            </a:r>
+            <a:r>
+              <a:rPr kumimoji="0" lang="es-ES" altLang="es-ES" sz="2400" b="0" i="0" u="none" strike="noStrike" cap="none" normalizeH="0" baseline="0" dirty="0" err="1">
+                <a:ln>
+                  <a:noFill/>
+                </a:ln>
+                <a:solidFill>
+                  <a:srgbClr val="000000"/>
+                </a:solidFill>
+                <a:effectLst/>
+                <a:latin typeface="Open Sans" panose="020B0606030504020204" pitchFamily="34" charset="0"/>
+                <a:ea typeface="Open Sans" panose="020B0606030504020204" pitchFamily="34" charset="0"/>
+                <a:cs typeface="Open Sans" panose="020B0606030504020204" pitchFamily="34" charset="0"/>
+              </a:rPr>
+              <a:t>ex:madeByStation</a:t>
+            </a:r>
+            <a:r>
+              <a:rPr kumimoji="0" lang="es-ES" altLang="es-ES" sz="2400" b="0" i="0" u="none" strike="noStrike" cap="none" normalizeH="0" baseline="0" dirty="0">
+                <a:ln>
+                  <a:noFill/>
+                </a:ln>
+                <a:solidFill>
+                  <a:srgbClr val="000000"/>
+                </a:solidFill>
+                <a:effectLst/>
+                <a:latin typeface="Open Sans" panose="020B0606030504020204" pitchFamily="34" charset="0"/>
+                <a:ea typeface="Open Sans" panose="020B0606030504020204" pitchFamily="34" charset="0"/>
+                <a:cs typeface="Open Sans" panose="020B0606030504020204" pitchFamily="34" charset="0"/>
+              </a:rPr>
+              <a:t> entre lecturas y estaciones.</a:t>
+            </a:r>
+          </a:p>
+          <a:p>
+            <a:pPr marL="342900" marR="0" lvl="0" indent="-342900" algn="l" defTabSz="914400" rtl="0" eaLnBrk="0" fontAlgn="base" latinLnBrk="0" hangingPunct="0">
+              <a:lnSpc>
+                <a:spcPct val="100000"/>
+              </a:lnSpc>
+              <a:spcBef>
+                <a:spcPct val="0"/>
+              </a:spcBef>
+              <a:spcAft>
+                <a:spcPct val="0"/>
+              </a:spcAft>
+              <a:buClr>
+                <a:schemeClr val="accent1"/>
+              </a:buClr>
+              <a:buSzTx/>
+              <a:buFont typeface="Wingdings" pitchFamily="2" charset="2"/>
+              <a:buChar char="§"/>
+              <a:tabLst/>
+            </a:pPr>
+            <a:r>
+              <a:rPr kumimoji="0" lang="es-ES" altLang="es-ES" sz="2400" b="0" i="0" u="none" strike="noStrike" cap="none" normalizeH="0" baseline="0" dirty="0">
+                <a:ln>
+                  <a:noFill/>
+                </a:ln>
+                <a:solidFill>
+                  <a:srgbClr val="000000"/>
+                </a:solidFill>
+                <a:effectLst/>
+                <a:latin typeface="Open Sans" panose="020B0606030504020204" pitchFamily="34" charset="0"/>
+                <a:ea typeface="Open Sans" panose="020B0606030504020204" pitchFamily="34" charset="0"/>
+                <a:cs typeface="Open Sans" panose="020B0606030504020204" pitchFamily="34" charset="0"/>
+              </a:rPr>
+              <a:t>Detectar lecturas sin estación (errores).</a:t>
+            </a:r>
+          </a:p>
+          <a:p>
+            <a:pPr marL="342900" marR="0" lvl="0" indent="-342900" algn="l" defTabSz="914400" rtl="0" eaLnBrk="0" fontAlgn="base" latinLnBrk="0" hangingPunct="0">
+              <a:lnSpc>
+                <a:spcPct val="100000"/>
+              </a:lnSpc>
+              <a:spcBef>
+                <a:spcPct val="0"/>
+              </a:spcBef>
+              <a:spcAft>
+                <a:spcPct val="0"/>
+              </a:spcAft>
+              <a:buClr>
+                <a:schemeClr val="accent1"/>
+              </a:buClr>
+              <a:buSzTx/>
+              <a:buFont typeface="Wingdings" pitchFamily="2" charset="2"/>
+              <a:buChar char="§"/>
+              <a:tabLst/>
+            </a:pPr>
+            <a:r>
+              <a:rPr kumimoji="0" lang="es-ES" altLang="es-ES" sz="2400" b="0" i="0" u="none" strike="noStrike" cap="none" normalizeH="0" baseline="0" dirty="0">
+                <a:ln>
+                  <a:noFill/>
+                </a:ln>
+                <a:solidFill>
+                  <a:srgbClr val="000000"/>
+                </a:solidFill>
+                <a:effectLst/>
+                <a:latin typeface="Open Sans" panose="020B0606030504020204" pitchFamily="34" charset="0"/>
+                <a:ea typeface="Open Sans" panose="020B0606030504020204" pitchFamily="34" charset="0"/>
+                <a:cs typeface="Open Sans" panose="020B0606030504020204" pitchFamily="34" charset="0"/>
+              </a:rPr>
+              <a:t>Analizar contaminantes O₃, NO₂ y PM10.</a:t>
+            </a:r>
+          </a:p>
+          <a:p>
+            <a:pPr marL="342900" marR="0" lvl="0" indent="-342900" algn="l" defTabSz="914400" rtl="0" eaLnBrk="0" fontAlgn="base" latinLnBrk="0" hangingPunct="0">
+              <a:lnSpc>
+                <a:spcPct val="100000"/>
+              </a:lnSpc>
+              <a:spcBef>
+                <a:spcPct val="0"/>
+              </a:spcBef>
+              <a:spcAft>
+                <a:spcPct val="0"/>
+              </a:spcAft>
+              <a:buClr>
+                <a:schemeClr val="accent1"/>
+              </a:buClr>
+              <a:buSzTx/>
+              <a:buFont typeface="Wingdings" pitchFamily="2" charset="2"/>
+              <a:buChar char="§"/>
+              <a:tabLst/>
+            </a:pPr>
+            <a:r>
+              <a:rPr kumimoji="0" lang="es-ES" altLang="es-ES" sz="2400" b="0" i="0" u="none" strike="noStrike" cap="none" normalizeH="0" baseline="0" dirty="0">
+                <a:ln>
+                  <a:noFill/>
+                </a:ln>
+                <a:solidFill>
+                  <a:srgbClr val="000000"/>
+                </a:solidFill>
+                <a:effectLst/>
+                <a:latin typeface="Open Sans" panose="020B0606030504020204" pitchFamily="34" charset="0"/>
+                <a:ea typeface="Open Sans" panose="020B0606030504020204" pitchFamily="34" charset="0"/>
+                <a:cs typeface="Open Sans" panose="020B0606030504020204" pitchFamily="34" charset="0"/>
+              </a:rPr>
+              <a:t>Obtener estadísticas del </a:t>
+            </a:r>
+            <a:r>
+              <a:rPr kumimoji="0" lang="es-ES" altLang="es-ES" sz="2400" b="0" i="0" u="none" strike="noStrike" cap="none" normalizeH="0" baseline="0" dirty="0" err="1">
+                <a:ln>
+                  <a:noFill/>
+                </a:ln>
+                <a:solidFill>
+                  <a:srgbClr val="000000"/>
+                </a:solidFill>
+                <a:effectLst/>
+                <a:latin typeface="Open Sans" panose="020B0606030504020204" pitchFamily="34" charset="0"/>
+                <a:ea typeface="Open Sans" panose="020B0606030504020204" pitchFamily="34" charset="0"/>
+                <a:cs typeface="Open Sans" panose="020B0606030504020204" pitchFamily="34" charset="0"/>
+              </a:rPr>
+              <a:t>dataset</a:t>
+            </a:r>
+            <a:r>
+              <a:rPr kumimoji="0" lang="es-ES" altLang="es-ES" sz="2400" b="0" i="0" u="none" strike="noStrike" cap="none" normalizeH="0" baseline="0" dirty="0">
+                <a:ln>
+                  <a:noFill/>
+                </a:ln>
+                <a:solidFill>
+                  <a:srgbClr val="000000"/>
+                </a:solidFill>
+                <a:effectLst/>
+                <a:latin typeface="Open Sans" panose="020B0606030504020204" pitchFamily="34" charset="0"/>
+                <a:ea typeface="Open Sans" panose="020B0606030504020204" pitchFamily="34" charset="0"/>
+                <a:cs typeface="Open Sans" panose="020B0606030504020204" pitchFamily="34" charset="0"/>
+              </a:rPr>
+              <a:t> enlazado.</a:t>
+            </a:r>
+          </a:p>
+          <a:p>
+            <a:pPr marL="0" marR="0" lvl="0" indent="0" algn="l" defTabSz="914400" rtl="0" eaLnBrk="0" fontAlgn="base" latinLnBrk="0" hangingPunct="0">
+              <a:lnSpc>
+                <a:spcPct val="100000"/>
+              </a:lnSpc>
+              <a:spcBef>
+                <a:spcPct val="0"/>
+              </a:spcBef>
+              <a:spcAft>
+                <a:spcPct val="0"/>
+              </a:spcAft>
+              <a:buClrTx/>
+              <a:buSzTx/>
+              <a:buFontTx/>
+              <a:buNone/>
+              <a:tabLst/>
+            </a:pPr>
+            <a:endParaRPr kumimoji="0" lang="es-ES" altLang="es-ES" sz="2400" b="0" i="0" u="none" strike="noStrike" cap="none" normalizeH="0" baseline="0" dirty="0">
+              <a:ln>
+                <a:noFill/>
+              </a:ln>
+              <a:solidFill>
+                <a:schemeClr val="tx1"/>
+              </a:solidFill>
+              <a:effectLst/>
+              <a:latin typeface="Open Sans" panose="020B0606030504020204" pitchFamily="34" charset="0"/>
+              <a:ea typeface="Open Sans" panose="020B0606030504020204" pitchFamily="34" charset="0"/>
+              <a:cs typeface="Open Sans" panose="020B0606030504020204" pitchFamily="34" charset="0"/>
+            </a:endParaRPr>
+          </a:p>
+        </p:txBody>
+      </p:sp>
+      <p:pic>
+        <p:nvPicPr>
+          <p:cNvPr id="7" name="Imagen 6" descr="Texto&#10;&#10;El contenido generado por IA puede ser incorrecto.">
+            <a:extLst>
+              <a:ext uri="{FF2B5EF4-FFF2-40B4-BE49-F238E27FC236}">
+                <a16:creationId xmlns:a16="http://schemas.microsoft.com/office/drawing/2014/main" id="{142EB1EA-38E1-2F27-7493-A119A081BB33}"/>
+              </a:ext>
+            </a:extLst>
+          </p:cNvPr>
+          <p:cNvPicPr>
+            <a:picLocks noChangeAspect="1"/>
+          </p:cNvPicPr>
+          <p:nvPr/>
+        </p:nvPicPr>
+        <p:blipFill>
+          <a:blip r:embed="rId3"/>
+          <a:stretch>
+            <a:fillRect/>
+          </a:stretch>
+        </p:blipFill>
+        <p:spPr>
+          <a:xfrm>
+            <a:off x="9465099" y="3940419"/>
+            <a:ext cx="6114870" cy="4917682"/>
+          </a:xfrm>
+          <a:prstGeom prst="rect">
+            <a:avLst/>
+          </a:prstGeom>
+        </p:spPr>
+      </p:pic>
+    </p:spTree>
+    <p:extLst>
+      <p:ext uri="{BB962C8B-B14F-4D97-AF65-F5344CB8AC3E}">
+        <p14:creationId xmlns:p14="http://schemas.microsoft.com/office/powerpoint/2010/main" val="355544026"/>
+      </p:ext>
+    </p:extLst>
+  </p:cSld>
+  <p:clrMapOvr>
+    <a:masterClrMapping/>
+  </p:clrMapOvr>
+</p:sld>
+</file>
+
+<file path=ppt/slides/slide11.xml><?xml version="1.0" encoding="utf-8"?>
+<p:sld xmlns:a="http://schemas.openxmlformats.org/drawingml/2006/main" xmlns:r="http://schemas.openxmlformats.org/officeDocument/2006/relationships" xmlns:p="http://schemas.openxmlformats.org/presentationml/2006/main" showMasterSp="0">
+  <p:cSld>
+    <p:spTree>
+      <p:nvGrpSpPr>
         <p:cNvPr id="1" name="Shape 608"/>
         <p:cNvGrpSpPr/>
         <p:nvPr/>
@@ -21258,6 +21268,297 @@
         <p:cNvPr id="1" name="Shape 228">
           <a:extLst>
             <a:ext uri="{FF2B5EF4-FFF2-40B4-BE49-F238E27FC236}">
+              <a16:creationId xmlns:a16="http://schemas.microsoft.com/office/drawing/2014/main" id="{6645BBCE-C092-108E-7220-96897E3A60F9}"/>
+            </a:ext>
+          </a:extLst>
+        </p:cNvPr>
+        <p:cNvGrpSpPr/>
+        <p:nvPr/>
+      </p:nvGrpSpPr>
+      <p:grpSpPr>
+        <a:xfrm>
+          <a:off x="0" y="0"/>
+          <a:ext cx="0" cy="0"/>
+          <a:chOff x="0" y="0"/>
+          <a:chExt cx="0" cy="0"/>
+        </a:xfrm>
+      </p:grpSpPr>
+      <p:grpSp>
+        <p:nvGrpSpPr>
+          <p:cNvPr id="232" name="Google Shape;232;p13">
+            <a:extLst>
+              <a:ext uri="{FF2B5EF4-FFF2-40B4-BE49-F238E27FC236}">
+                <a16:creationId xmlns:a16="http://schemas.microsoft.com/office/drawing/2014/main" id="{69DE9E2C-DAB1-6DBB-341E-BE4D2FDBAB97}"/>
+              </a:ext>
+            </a:extLst>
+          </p:cNvPr>
+          <p:cNvGrpSpPr/>
+          <p:nvPr/>
+        </p:nvGrpSpPr>
+        <p:grpSpPr>
+          <a:xfrm>
+            <a:off x="-2584052" y="919959"/>
+            <a:ext cx="15237371" cy="943680"/>
+            <a:chOff x="0" y="-47625"/>
+            <a:chExt cx="3007876" cy="235119"/>
+          </a:xfrm>
+        </p:grpSpPr>
+        <p:sp>
+          <p:nvSpPr>
+            <p:cNvPr id="233" name="Google Shape;233;p13">
+              <a:extLst>
+                <a:ext uri="{FF2B5EF4-FFF2-40B4-BE49-F238E27FC236}">
+                  <a16:creationId xmlns:a16="http://schemas.microsoft.com/office/drawing/2014/main" id="{F638C8B2-49C3-5CA0-A7FE-908A9D5E99B1}"/>
+                </a:ext>
+              </a:extLst>
+            </p:cNvPr>
+            <p:cNvSpPr/>
+            <p:nvPr/>
+          </p:nvSpPr>
+          <p:spPr>
+            <a:xfrm>
+              <a:off x="0" y="0"/>
+              <a:ext cx="3007876" cy="187494"/>
+            </a:xfrm>
+            <a:custGeom>
+              <a:avLst/>
+              <a:gdLst/>
+              <a:ahLst/>
+              <a:cxnLst/>
+              <a:rect l="l" t="t" r="r" b="b"/>
+              <a:pathLst>
+                <a:path w="3007876" h="187494" extrusionOk="0">
+                  <a:moveTo>
+                    <a:pt x="32706" y="0"/>
+                  </a:moveTo>
+                  <a:lnTo>
+                    <a:pt x="2975170" y="0"/>
+                  </a:lnTo>
+                  <a:cubicBezTo>
+                    <a:pt x="2993233" y="0"/>
+                    <a:pt x="3007876" y="14643"/>
+                    <a:pt x="3007876" y="32706"/>
+                  </a:cubicBezTo>
+                  <a:lnTo>
+                    <a:pt x="3007876" y="154789"/>
+                  </a:lnTo>
+                  <a:cubicBezTo>
+                    <a:pt x="3007876" y="172851"/>
+                    <a:pt x="2993233" y="187494"/>
+                    <a:pt x="2975170" y="187494"/>
+                  </a:cubicBezTo>
+                  <a:lnTo>
+                    <a:pt x="32706" y="187494"/>
+                  </a:lnTo>
+                  <a:cubicBezTo>
+                    <a:pt x="14643" y="187494"/>
+                    <a:pt x="0" y="172851"/>
+                    <a:pt x="0" y="154789"/>
+                  </a:cubicBezTo>
+                  <a:lnTo>
+                    <a:pt x="0" y="32706"/>
+                  </a:lnTo>
+                  <a:cubicBezTo>
+                    <a:pt x="0" y="14643"/>
+                    <a:pt x="14643" y="0"/>
+                    <a:pt x="32706" y="0"/>
+                  </a:cubicBezTo>
+                  <a:close/>
+                </a:path>
+              </a:pathLst>
+            </a:custGeom>
+            <a:solidFill>
+              <a:srgbClr val="FFC803"/>
+            </a:solidFill>
+            <a:ln>
+              <a:noFill/>
+            </a:ln>
+          </p:spPr>
+          <p:txBody>
+            <a:bodyPr spcFirstLastPara="1" wrap="square" lIns="91425" tIns="91425" rIns="91425" bIns="91425" anchor="ctr" anchorCtr="0">
+              <a:noAutofit/>
+            </a:bodyPr>
+            <a:lstStyle/>
+            <a:p>
+              <a:pPr marL="0" lvl="0" indent="0" algn="l" rtl="0">
+                <a:spcBef>
+                  <a:spcPts val="0"/>
+                </a:spcBef>
+                <a:spcAft>
+                  <a:spcPts val="0"/>
+                </a:spcAft>
+                <a:buNone/>
+              </a:pPr>
+              <a:endParaRPr/>
+            </a:p>
+          </p:txBody>
+        </p:sp>
+        <p:sp>
+          <p:nvSpPr>
+            <p:cNvPr id="234" name="Google Shape;234;p13">
+              <a:extLst>
+                <a:ext uri="{FF2B5EF4-FFF2-40B4-BE49-F238E27FC236}">
+                  <a16:creationId xmlns:a16="http://schemas.microsoft.com/office/drawing/2014/main" id="{A97D1D4D-4F13-5C4E-5A3E-FB912E000C9D}"/>
+                </a:ext>
+              </a:extLst>
+            </p:cNvPr>
+            <p:cNvSpPr txBox="1"/>
+            <p:nvPr/>
+          </p:nvSpPr>
+          <p:spPr>
+            <a:xfrm>
+              <a:off x="0" y="-47625"/>
+              <a:ext cx="3007876" cy="235119"/>
+            </a:xfrm>
+            <a:prstGeom prst="rect">
+              <a:avLst/>
+            </a:prstGeom>
+            <a:noFill/>
+            <a:ln>
+              <a:noFill/>
+            </a:ln>
+          </p:spPr>
+          <p:txBody>
+            <a:bodyPr spcFirstLastPara="1" wrap="square" lIns="50800" tIns="50800" rIns="50800" bIns="50800" anchor="ctr" anchorCtr="0">
+              <a:noAutofit/>
+            </a:bodyPr>
+            <a:lstStyle/>
+            <a:p>
+              <a:pPr marL="0" marR="0" lvl="0" indent="0" algn="ctr" rtl="0">
+                <a:lnSpc>
+                  <a:spcPct val="155555"/>
+                </a:lnSpc>
+                <a:spcBef>
+                  <a:spcPts val="0"/>
+                </a:spcBef>
+                <a:spcAft>
+                  <a:spcPts val="0"/>
+                </a:spcAft>
+                <a:buNone/>
+              </a:pPr>
+              <a:endParaRPr sz="1800" b="0" i="0" u="none" strike="noStrike" cap="none">
+                <a:solidFill>
+                  <a:schemeClr val="dk1"/>
+                </a:solidFill>
+                <a:latin typeface="Calibri"/>
+                <a:ea typeface="Calibri"/>
+                <a:cs typeface="Calibri"/>
+                <a:sym typeface="Calibri"/>
+              </a:endParaRPr>
+            </a:p>
+          </p:txBody>
+        </p:sp>
+      </p:grpSp>
+      <p:sp>
+        <p:nvSpPr>
+          <p:cNvPr id="237" name="Google Shape;237;p13">
+            <a:extLst>
+              <a:ext uri="{FF2B5EF4-FFF2-40B4-BE49-F238E27FC236}">
+                <a16:creationId xmlns:a16="http://schemas.microsoft.com/office/drawing/2014/main" id="{DFAC91AA-1BE0-6ABF-6C15-3F3E8966E95D}"/>
+              </a:ext>
+            </a:extLst>
+          </p:cNvPr>
+          <p:cNvSpPr txBox="1"/>
+          <p:nvPr/>
+        </p:nvSpPr>
+        <p:spPr>
+          <a:xfrm>
+            <a:off x="1609018" y="464777"/>
+            <a:ext cx="12072481" cy="1292662"/>
+          </a:xfrm>
+          <a:prstGeom prst="rect">
+            <a:avLst/>
+          </a:prstGeom>
+          <a:noFill/>
+          <a:ln>
+            <a:noFill/>
+          </a:ln>
+        </p:spPr>
+        <p:txBody>
+          <a:bodyPr spcFirstLastPara="1" wrap="square" lIns="0" tIns="0" rIns="0" bIns="0" anchor="t" anchorCtr="0">
+            <a:spAutoFit/>
+          </a:bodyPr>
+          <a:lstStyle/>
+          <a:p>
+            <a:pPr marL="0" marR="0" lvl="0" indent="0" algn="l" rtl="0">
+              <a:lnSpc>
+                <a:spcPct val="140000"/>
+              </a:lnSpc>
+              <a:spcBef>
+                <a:spcPts val="0"/>
+              </a:spcBef>
+              <a:spcAft>
+                <a:spcPts val="0"/>
+              </a:spcAft>
+              <a:buNone/>
+            </a:pPr>
+            <a:r>
+              <a:rPr lang="en-US" sz="6000" b="1" i="0" u="none" strike="noStrike" cap="none" dirty="0">
+                <a:solidFill>
+                  <a:srgbClr val="000000"/>
+                </a:solidFill>
+                <a:latin typeface="Open Sans"/>
+                <a:ea typeface="Open Sans"/>
+                <a:cs typeface="Open Sans"/>
+                <a:sym typeface="Open Sans"/>
+              </a:rPr>
+              <a:t>Hands-On – Assignment 3</a:t>
+            </a:r>
+            <a:endParaRPr sz="1100" dirty="0"/>
+          </a:p>
+        </p:txBody>
+      </p:sp>
+      <p:pic>
+        <p:nvPicPr>
+          <p:cNvPr id="4" name="Imagen 3" descr="Tabla&#10;&#10;El contenido generado por IA puede ser incorrecto.">
+            <a:extLst>
+              <a:ext uri="{FF2B5EF4-FFF2-40B4-BE49-F238E27FC236}">
+                <a16:creationId xmlns:a16="http://schemas.microsoft.com/office/drawing/2014/main" id="{B9C2C264-2F9A-E604-F97F-A84CAB49FBB8}"/>
+              </a:ext>
+            </a:extLst>
+          </p:cNvPr>
+          <p:cNvPicPr>
+            <a:picLocks noChangeAspect="1"/>
+          </p:cNvPicPr>
+          <p:nvPr/>
+        </p:nvPicPr>
+        <p:blipFill>
+          <a:blip r:embed="rId3"/>
+          <a:stretch>
+            <a:fillRect/>
+          </a:stretch>
+        </p:blipFill>
+        <p:spPr>
+          <a:xfrm>
+            <a:off x="1609018" y="2212621"/>
+            <a:ext cx="14419479" cy="7588250"/>
+          </a:xfrm>
+          <a:prstGeom prst="rect">
+            <a:avLst/>
+          </a:prstGeom>
+        </p:spPr>
+      </p:pic>
+    </p:spTree>
+    <p:extLst>
+      <p:ext uri="{BB962C8B-B14F-4D97-AF65-F5344CB8AC3E}">
+        <p14:creationId xmlns:p14="http://schemas.microsoft.com/office/powerpoint/2010/main" val="3485169135"/>
+      </p:ext>
+    </p:extLst>
+  </p:cSld>
+  <p:clrMapOvr>
+    <a:masterClrMapping/>
+  </p:clrMapOvr>
+</p:sld>
+</file>
+
+<file path=ppt/slides/slide7.xml><?xml version="1.0" encoding="utf-8"?>
+<p:sld xmlns:a="http://schemas.openxmlformats.org/drawingml/2006/main" xmlns:r="http://schemas.openxmlformats.org/officeDocument/2006/relationships" xmlns:p="http://schemas.openxmlformats.org/presentationml/2006/main" showMasterSp="0">
+  <p:cSld>
+    <p:spTree>
+      <p:nvGrpSpPr>
+        <p:cNvPr id="1" name="Shape 228">
+          <a:extLst>
+            <a:ext uri="{FF2B5EF4-FFF2-40B4-BE49-F238E27FC236}">
               <a16:creationId xmlns:a16="http://schemas.microsoft.com/office/drawing/2014/main" id="{5D9F1AAD-04F4-27D0-ED81-116E1243FC99}"/>
             </a:ext>
           </a:extLst>
@@ -23393,7 +23694,7 @@
 </p:sld>
 </file>
 
-<file path=ppt/slides/slide7.xml><?xml version="1.0" encoding="utf-8"?>
+<file path=ppt/slides/slide8.xml><?xml version="1.0" encoding="utf-8"?>
 <p:sld xmlns:a="http://schemas.openxmlformats.org/drawingml/2006/main" xmlns:r="http://schemas.openxmlformats.org/officeDocument/2006/relationships" xmlns:p="http://schemas.openxmlformats.org/presentationml/2006/main" showMasterSp="0">
   <p:cSld>
     <p:spTree>
@@ -24038,7 +24339,7 @@
 </p:sld>
 </file>
 
-<file path=ppt/slides/slide8.xml><?xml version="1.0" encoding="utf-8"?>
+<file path=ppt/slides/slide9.xml><?xml version="1.0" encoding="utf-8"?>
 <p:sld xmlns:a="http://schemas.openxmlformats.org/drawingml/2006/main" xmlns:r="http://schemas.openxmlformats.org/officeDocument/2006/relationships" xmlns:p="http://schemas.openxmlformats.org/presentationml/2006/main" showMasterSp="0">
   <p:cSld>
     <p:spTree>
@@ -26573,815 +26874,6 @@
     <p:extLst>
       <p:ext uri="{BB962C8B-B14F-4D97-AF65-F5344CB8AC3E}">
         <p14:creationId xmlns:p14="http://schemas.microsoft.com/office/powerpoint/2010/main" val="2606231632"/>
-      </p:ext>
-    </p:extLst>
-  </p:cSld>
-  <p:clrMapOvr>
-    <a:masterClrMapping/>
-  </p:clrMapOvr>
-</p:sld>
-</file>
-
-<file path=ppt/slides/slide9.xml><?xml version="1.0" encoding="utf-8"?>
-<p:sld xmlns:a="http://schemas.openxmlformats.org/drawingml/2006/main" xmlns:r="http://schemas.openxmlformats.org/officeDocument/2006/relationships" xmlns:p="http://schemas.openxmlformats.org/presentationml/2006/main" showMasterSp="0">
-  <p:cSld>
-    <p:spTree>
-      <p:nvGrpSpPr>
-        <p:cNvPr id="1" name="Shape 228">
-          <a:extLst>
-            <a:ext uri="{FF2B5EF4-FFF2-40B4-BE49-F238E27FC236}">
-              <a16:creationId xmlns:a16="http://schemas.microsoft.com/office/drawing/2014/main" id="{52C02F06-2301-5366-AF8F-4C9FBDBC429A}"/>
-            </a:ext>
-          </a:extLst>
-        </p:cNvPr>
-        <p:cNvGrpSpPr/>
-        <p:nvPr/>
-      </p:nvGrpSpPr>
-      <p:grpSpPr>
-        <a:xfrm>
-          <a:off x="0" y="0"/>
-          <a:ext cx="0" cy="0"/>
-          <a:chOff x="0" y="0"/>
-          <a:chExt cx="0" cy="0"/>
-        </a:xfrm>
-      </p:grpSpPr>
-      <p:sp>
-        <p:nvSpPr>
-          <p:cNvPr id="10" name="Elipse 9">
-            <a:extLst>
-              <a:ext uri="{FF2B5EF4-FFF2-40B4-BE49-F238E27FC236}">
-                <a16:creationId xmlns:a16="http://schemas.microsoft.com/office/drawing/2014/main" id="{7B7EB999-3B05-91F6-C3FC-ED3B0B77BAFA}"/>
-              </a:ext>
-            </a:extLst>
-          </p:cNvPr>
-          <p:cNvSpPr/>
-          <p:nvPr/>
-        </p:nvSpPr>
-        <p:spPr>
-          <a:xfrm>
-            <a:off x="6248857" y="2830283"/>
-            <a:ext cx="534675" cy="584775"/>
-          </a:xfrm>
-          <a:prstGeom prst="ellipse">
-            <a:avLst/>
-          </a:prstGeom>
-          <a:ln>
-            <a:noFill/>
-          </a:ln>
-        </p:spPr>
-        <p:style>
-          <a:lnRef idx="2">
-            <a:schemeClr val="accent1">
-              <a:shade val="15000"/>
-            </a:schemeClr>
-          </a:lnRef>
-          <a:fillRef idx="1">
-            <a:schemeClr val="accent1"/>
-          </a:fillRef>
-          <a:effectRef idx="0">
-            <a:schemeClr val="accent1"/>
-          </a:effectRef>
-          <a:fontRef idx="minor">
-            <a:schemeClr val="lt1"/>
-          </a:fontRef>
-        </p:style>
-        <p:txBody>
-          <a:bodyPr rtlCol="0" anchor="ctr"/>
-          <a:lstStyle/>
-          <a:p>
-            <a:pPr algn="ctr"/>
-            <a:endParaRPr lang="es-ES"/>
-          </a:p>
-        </p:txBody>
-      </p:sp>
-      <p:grpSp>
-        <p:nvGrpSpPr>
-          <p:cNvPr id="232" name="Google Shape;232;p13">
-            <a:extLst>
-              <a:ext uri="{FF2B5EF4-FFF2-40B4-BE49-F238E27FC236}">
-                <a16:creationId xmlns:a16="http://schemas.microsoft.com/office/drawing/2014/main" id="{06DCA807-9B19-B038-5229-39C827799BA9}"/>
-              </a:ext>
-            </a:extLst>
-          </p:cNvPr>
-          <p:cNvGrpSpPr/>
-          <p:nvPr/>
-        </p:nvGrpSpPr>
-        <p:grpSpPr>
-          <a:xfrm>
-            <a:off x="-2584052" y="919959"/>
-            <a:ext cx="15237371" cy="943680"/>
-            <a:chOff x="0" y="-47625"/>
-            <a:chExt cx="3007876" cy="235119"/>
-          </a:xfrm>
-        </p:grpSpPr>
-        <p:sp>
-          <p:nvSpPr>
-            <p:cNvPr id="233" name="Google Shape;233;p13">
-              <a:extLst>
-                <a:ext uri="{FF2B5EF4-FFF2-40B4-BE49-F238E27FC236}">
-                  <a16:creationId xmlns:a16="http://schemas.microsoft.com/office/drawing/2014/main" id="{ABDFEDCB-A78F-F015-3074-0107B13418F5}"/>
-                </a:ext>
-              </a:extLst>
-            </p:cNvPr>
-            <p:cNvSpPr/>
-            <p:nvPr/>
-          </p:nvSpPr>
-          <p:spPr>
-            <a:xfrm>
-              <a:off x="0" y="0"/>
-              <a:ext cx="3007876" cy="187494"/>
-            </a:xfrm>
-            <a:custGeom>
-              <a:avLst/>
-              <a:gdLst/>
-              <a:ahLst/>
-              <a:cxnLst/>
-              <a:rect l="l" t="t" r="r" b="b"/>
-              <a:pathLst>
-                <a:path w="3007876" h="187494" extrusionOk="0">
-                  <a:moveTo>
-                    <a:pt x="32706" y="0"/>
-                  </a:moveTo>
-                  <a:lnTo>
-                    <a:pt x="2975170" y="0"/>
-                  </a:lnTo>
-                  <a:cubicBezTo>
-                    <a:pt x="2993233" y="0"/>
-                    <a:pt x="3007876" y="14643"/>
-                    <a:pt x="3007876" y="32706"/>
-                  </a:cubicBezTo>
-                  <a:lnTo>
-                    <a:pt x="3007876" y="154789"/>
-                  </a:lnTo>
-                  <a:cubicBezTo>
-                    <a:pt x="3007876" y="172851"/>
-                    <a:pt x="2993233" y="187494"/>
-                    <a:pt x="2975170" y="187494"/>
-                  </a:cubicBezTo>
-                  <a:lnTo>
-                    <a:pt x="32706" y="187494"/>
-                  </a:lnTo>
-                  <a:cubicBezTo>
-                    <a:pt x="14643" y="187494"/>
-                    <a:pt x="0" y="172851"/>
-                    <a:pt x="0" y="154789"/>
-                  </a:cubicBezTo>
-                  <a:lnTo>
-                    <a:pt x="0" y="32706"/>
-                  </a:lnTo>
-                  <a:cubicBezTo>
-                    <a:pt x="0" y="14643"/>
-                    <a:pt x="14643" y="0"/>
-                    <a:pt x="32706" y="0"/>
-                  </a:cubicBezTo>
-                  <a:close/>
-                </a:path>
-              </a:pathLst>
-            </a:custGeom>
-            <a:solidFill>
-              <a:srgbClr val="FFC803"/>
-            </a:solidFill>
-            <a:ln>
-              <a:noFill/>
-            </a:ln>
-          </p:spPr>
-          <p:txBody>
-            <a:bodyPr spcFirstLastPara="1" wrap="square" lIns="91425" tIns="91425" rIns="91425" bIns="91425" anchor="ctr" anchorCtr="0">
-              <a:noAutofit/>
-            </a:bodyPr>
-            <a:lstStyle/>
-            <a:p>
-              <a:pPr marL="0" lvl="0" indent="0" algn="l" rtl="0">
-                <a:spcBef>
-                  <a:spcPts val="0"/>
-                </a:spcBef>
-                <a:spcAft>
-                  <a:spcPts val="0"/>
-                </a:spcAft>
-                <a:buNone/>
-              </a:pPr>
-              <a:endParaRPr/>
-            </a:p>
-          </p:txBody>
-        </p:sp>
-        <p:sp>
-          <p:nvSpPr>
-            <p:cNvPr id="234" name="Google Shape;234;p13">
-              <a:extLst>
-                <a:ext uri="{FF2B5EF4-FFF2-40B4-BE49-F238E27FC236}">
-                  <a16:creationId xmlns:a16="http://schemas.microsoft.com/office/drawing/2014/main" id="{BFA1AE23-3657-91C0-031C-716294DB059A}"/>
-                </a:ext>
-              </a:extLst>
-            </p:cNvPr>
-            <p:cNvSpPr txBox="1"/>
-            <p:nvPr/>
-          </p:nvSpPr>
-          <p:spPr>
-            <a:xfrm>
-              <a:off x="0" y="-47625"/>
-              <a:ext cx="3007876" cy="235119"/>
-            </a:xfrm>
-            <a:prstGeom prst="rect">
-              <a:avLst/>
-            </a:prstGeom>
-            <a:noFill/>
-            <a:ln>
-              <a:noFill/>
-            </a:ln>
-          </p:spPr>
-          <p:txBody>
-            <a:bodyPr spcFirstLastPara="1" wrap="square" lIns="50800" tIns="50800" rIns="50800" bIns="50800" anchor="ctr" anchorCtr="0">
-              <a:noAutofit/>
-            </a:bodyPr>
-            <a:lstStyle/>
-            <a:p>
-              <a:pPr marL="0" marR="0" lvl="0" indent="0" algn="ctr" rtl="0">
-                <a:lnSpc>
-                  <a:spcPct val="155555"/>
-                </a:lnSpc>
-                <a:spcBef>
-                  <a:spcPts val="0"/>
-                </a:spcBef>
-                <a:spcAft>
-                  <a:spcPts val="0"/>
-                </a:spcAft>
-                <a:buNone/>
-              </a:pPr>
-              <a:endParaRPr sz="1800" b="0" i="0" u="none" strike="noStrike" cap="none">
-                <a:solidFill>
-                  <a:schemeClr val="dk1"/>
-                </a:solidFill>
-                <a:latin typeface="Calibri"/>
-                <a:ea typeface="Calibri"/>
-                <a:cs typeface="Calibri"/>
-                <a:sym typeface="Calibri"/>
-              </a:endParaRPr>
-            </a:p>
-          </p:txBody>
-        </p:sp>
-      </p:grpSp>
-      <p:sp>
-        <p:nvSpPr>
-          <p:cNvPr id="237" name="Google Shape;237;p13">
-            <a:extLst>
-              <a:ext uri="{FF2B5EF4-FFF2-40B4-BE49-F238E27FC236}">
-                <a16:creationId xmlns:a16="http://schemas.microsoft.com/office/drawing/2014/main" id="{756FDE5D-D508-00E8-85D4-25AF69AD7C66}"/>
-              </a:ext>
-            </a:extLst>
-          </p:cNvPr>
-          <p:cNvSpPr txBox="1"/>
-          <p:nvPr/>
-        </p:nvSpPr>
-        <p:spPr>
-          <a:xfrm>
-            <a:off x="1609018" y="464777"/>
-            <a:ext cx="12072481" cy="1292662"/>
-          </a:xfrm>
-          <a:prstGeom prst="rect">
-            <a:avLst/>
-          </a:prstGeom>
-          <a:noFill/>
-          <a:ln>
-            <a:noFill/>
-          </a:ln>
-        </p:spPr>
-        <p:txBody>
-          <a:bodyPr spcFirstLastPara="1" wrap="square" lIns="0" tIns="0" rIns="0" bIns="0" anchor="t" anchorCtr="0">
-            <a:spAutoFit/>
-          </a:bodyPr>
-          <a:lstStyle/>
-          <a:p>
-            <a:pPr marL="0" marR="0" lvl="0" indent="0" algn="l" rtl="0">
-              <a:lnSpc>
-                <a:spcPct val="140000"/>
-              </a:lnSpc>
-              <a:spcBef>
-                <a:spcPts val="0"/>
-              </a:spcBef>
-              <a:spcAft>
-                <a:spcPts val="0"/>
-              </a:spcAft>
-              <a:buNone/>
-            </a:pPr>
-            <a:r>
-              <a:rPr lang="en-US" sz="6000" b="1" i="0" u="none" strike="noStrike" cap="none" dirty="0">
-                <a:solidFill>
-                  <a:srgbClr val="000000"/>
-                </a:solidFill>
-                <a:latin typeface="Open Sans"/>
-                <a:ea typeface="Open Sans"/>
-                <a:cs typeface="Open Sans"/>
-                <a:sym typeface="Open Sans"/>
-              </a:rPr>
-              <a:t>Hands-On – Assignment 5</a:t>
-            </a:r>
-            <a:endParaRPr sz="1100" dirty="0"/>
-          </a:p>
-        </p:txBody>
-      </p:sp>
-      <p:sp>
-        <p:nvSpPr>
-          <p:cNvPr id="9" name="CuadroTexto 8">
-            <a:extLst>
-              <a:ext uri="{FF2B5EF4-FFF2-40B4-BE49-F238E27FC236}">
-                <a16:creationId xmlns:a16="http://schemas.microsoft.com/office/drawing/2014/main" id="{A3841BC6-AC4C-97FC-0740-1C1251AA2DBD}"/>
-              </a:ext>
-            </a:extLst>
-          </p:cNvPr>
-          <p:cNvSpPr txBox="1"/>
-          <p:nvPr/>
-        </p:nvSpPr>
-        <p:spPr>
-          <a:xfrm>
-            <a:off x="6248857" y="2830283"/>
-            <a:ext cx="5790286" cy="584775"/>
-          </a:xfrm>
-          <a:prstGeom prst="rect">
-            <a:avLst/>
-          </a:prstGeom>
-          <a:noFill/>
-        </p:spPr>
-        <p:txBody>
-          <a:bodyPr wrap="square" rtlCol="0">
-            <a:spAutoFit/>
-          </a:bodyPr>
-          <a:lstStyle/>
-          <a:p>
-            <a:r>
-              <a:rPr lang="es-ES" sz="3200" b="1" dirty="0">
-                <a:solidFill>
-                  <a:schemeClr val="tx1"/>
-                </a:solidFill>
-              </a:rPr>
-              <a:t>5. </a:t>
-            </a:r>
-            <a:r>
-              <a:rPr lang="es-ES" sz="3200" b="1" dirty="0" err="1">
-                <a:solidFill>
-                  <a:schemeClr val="tx1"/>
-                </a:solidFill>
-                <a:highlight>
-                  <a:srgbClr val="00FFFF"/>
-                </a:highlight>
-              </a:rPr>
-              <a:t>queries-with-links.spaqrl</a:t>
-            </a:r>
-            <a:endParaRPr lang="es-ES" sz="2400" dirty="0">
-              <a:highlight>
-                <a:srgbClr val="00FFFF"/>
-              </a:highlight>
-              <a:latin typeface="Open Sans" panose="020B0606030504020204" pitchFamily="34" charset="0"/>
-              <a:ea typeface="Open Sans" panose="020B0606030504020204" pitchFamily="34" charset="0"/>
-              <a:cs typeface="Open Sans" panose="020B0606030504020204" pitchFamily="34" charset="0"/>
-            </a:endParaRPr>
-          </a:p>
-        </p:txBody>
-      </p:sp>
-      <p:sp>
-        <p:nvSpPr>
-          <p:cNvPr id="2" name="Rectangle 1">
-            <a:extLst>
-              <a:ext uri="{FF2B5EF4-FFF2-40B4-BE49-F238E27FC236}">
-                <a16:creationId xmlns:a16="http://schemas.microsoft.com/office/drawing/2014/main" id="{9CCD1903-B817-F153-700B-6C688D5ACB72}"/>
-              </a:ext>
-            </a:extLst>
-          </p:cNvPr>
-          <p:cNvSpPr>
-            <a:spLocks noChangeArrowheads="1"/>
-          </p:cNvSpPr>
-          <p:nvPr/>
-        </p:nvSpPr>
-        <p:spPr bwMode="auto">
-          <a:xfrm>
-            <a:off x="1609018" y="4381702"/>
-            <a:ext cx="7280031" cy="4154984"/>
-          </a:xfrm>
-          <a:prstGeom prst="rect">
-            <a:avLst/>
-          </a:prstGeom>
-          <a:noFill/>
-          <a:ln>
-            <a:noFill/>
-          </a:ln>
-          <a:effectLst/>
-          <a:extLst>
-            <a:ext uri="{909E8E84-426E-40DD-AFC4-6F175D3DCCD1}">
-              <a14:hiddenFill xmlns:a14="http://schemas.microsoft.com/office/drawing/2010/main">
-                <a:solidFill>
-                  <a:schemeClr val="accent1"/>
-                </a:solidFill>
-              </a14:hiddenFill>
-            </a:ext>
-            <a:ext uri="{91240B29-F687-4F45-9708-019B960494DF}">
-              <a14:hiddenLine xmlns:a14="http://schemas.microsoft.com/office/drawing/2010/main" w="9525">
-                <a:solidFill>
-                  <a:schemeClr val="tx1"/>
-                </a:solidFill>
-                <a:miter lim="800000"/>
-                <a:headEnd/>
-                <a:tailEnd/>
-              </a14:hiddenLine>
-            </a:ext>
-            <a:ext uri="{AF507438-7753-43E0-B8FC-AC1667EBCBE1}">
-              <a14:hiddenEffects xmlns:a14="http://schemas.microsoft.com/office/drawing/2010/main">
-                <a:effectLst>
-                  <a:outerShdw dist="35921" dir="2700000" algn="ctr" rotWithShape="0">
-                    <a:schemeClr val="bg2"/>
-                  </a:outerShdw>
-                </a:effectLst>
-              </a14:hiddenEffects>
-            </a:ext>
-          </a:extLst>
-        </p:spPr>
-        <p:txBody>
-          <a:bodyPr vert="horz" wrap="square" lIns="91440" tIns="45720" rIns="91440" bIns="45720" numCol="1" anchor="ctr" anchorCtr="0" compatLnSpc="1">
-            <a:prstTxWarp prst="textNoShape">
-              <a:avLst/>
-            </a:prstTxWarp>
-            <a:spAutoFit/>
-          </a:bodyPr>
-          <a:lstStyle/>
-          <a:p>
-            <a:pPr marL="0" marR="0" lvl="0" indent="0" algn="l" defTabSz="914400" rtl="0" eaLnBrk="0" fontAlgn="base" latinLnBrk="0" hangingPunct="0">
-              <a:lnSpc>
-                <a:spcPct val="100000"/>
-              </a:lnSpc>
-              <a:spcBef>
-                <a:spcPct val="0"/>
-              </a:spcBef>
-              <a:spcAft>
-                <a:spcPct val="0"/>
-              </a:spcAft>
-              <a:buClrTx/>
-              <a:buSzTx/>
-              <a:buFontTx/>
-              <a:buNone/>
-              <a:tabLst/>
-            </a:pPr>
-            <a:r>
-              <a:rPr kumimoji="0" lang="es-ES" altLang="es-ES" sz="2400" b="1" i="0" u="none" strike="noStrike" cap="none" normalizeH="0" baseline="0" dirty="0">
-                <a:ln>
-                  <a:noFill/>
-                </a:ln>
-                <a:solidFill>
-                  <a:srgbClr val="000000"/>
-                </a:solidFill>
-                <a:effectLst/>
-                <a:latin typeface="Open Sans" panose="020B0606030504020204" pitchFamily="34" charset="0"/>
-                <a:ea typeface="Open Sans" panose="020B0606030504020204" pitchFamily="34" charset="0"/>
-                <a:cs typeface="Open Sans" panose="020B0606030504020204" pitchFamily="34" charset="0"/>
-              </a:rPr>
-              <a:t>Incluye consultas para:</a:t>
-            </a:r>
-            <a:endParaRPr kumimoji="0" lang="es-ES" altLang="es-ES" sz="2400" b="0" i="0" u="none" strike="noStrike" cap="none" normalizeH="0" baseline="0" dirty="0">
-              <a:ln>
-                <a:noFill/>
-              </a:ln>
-              <a:solidFill>
-                <a:schemeClr val="tx1"/>
-              </a:solidFill>
-              <a:effectLst/>
-              <a:latin typeface="Open Sans" panose="020B0606030504020204" pitchFamily="34" charset="0"/>
-              <a:ea typeface="Open Sans" panose="020B0606030504020204" pitchFamily="34" charset="0"/>
-              <a:cs typeface="Open Sans" panose="020B0606030504020204" pitchFamily="34" charset="0"/>
-            </a:endParaRPr>
-          </a:p>
-          <a:p>
-            <a:pPr marL="342900" marR="0" lvl="0" indent="-342900" algn="l" defTabSz="914400" rtl="0" eaLnBrk="0" fontAlgn="base" latinLnBrk="0" hangingPunct="0">
-              <a:lnSpc>
-                <a:spcPct val="100000"/>
-              </a:lnSpc>
-              <a:spcBef>
-                <a:spcPct val="0"/>
-              </a:spcBef>
-              <a:spcAft>
-                <a:spcPct val="0"/>
-              </a:spcAft>
-              <a:buClr>
-                <a:srgbClr val="FFC000"/>
-              </a:buClr>
-              <a:buSzTx/>
-              <a:buFont typeface="Wingdings" pitchFamily="2" charset="2"/>
-              <a:buChar char="§"/>
-              <a:tabLst/>
-            </a:pPr>
-            <a:r>
-              <a:rPr kumimoji="0" lang="es-ES" altLang="es-ES" sz="2400" b="0" i="0" u="none" strike="noStrike" cap="none" normalizeH="0" baseline="0" dirty="0">
-                <a:ln>
-                  <a:noFill/>
-                </a:ln>
-                <a:solidFill>
-                  <a:srgbClr val="000000"/>
-                </a:solidFill>
-                <a:effectLst/>
-                <a:latin typeface="Open Sans" panose="020B0606030504020204" pitchFamily="34" charset="0"/>
-                <a:ea typeface="Open Sans" panose="020B0606030504020204" pitchFamily="34" charset="0"/>
-                <a:cs typeface="Open Sans" panose="020B0606030504020204" pitchFamily="34" charset="0"/>
-              </a:rPr>
-              <a:t>Verificar estaciones reconciliadas y su información geográfica.</a:t>
-            </a:r>
-          </a:p>
-          <a:p>
-            <a:pPr marL="342900" marR="0" lvl="0" indent="-342900" algn="l" defTabSz="914400" rtl="0" eaLnBrk="0" fontAlgn="base" latinLnBrk="0" hangingPunct="0">
-              <a:lnSpc>
-                <a:spcPct val="100000"/>
-              </a:lnSpc>
-              <a:spcBef>
-                <a:spcPct val="0"/>
-              </a:spcBef>
-              <a:spcAft>
-                <a:spcPct val="0"/>
-              </a:spcAft>
-              <a:buClr>
-                <a:schemeClr val="accent1"/>
-              </a:buClr>
-              <a:buSzTx/>
-              <a:buFont typeface="Wingdings" pitchFamily="2" charset="2"/>
-              <a:buChar char="§"/>
-              <a:tabLst/>
-            </a:pPr>
-            <a:r>
-              <a:rPr kumimoji="0" lang="es-ES" altLang="es-ES" sz="2400" b="0" i="0" u="none" strike="noStrike" cap="none" normalizeH="0" baseline="0" dirty="0">
-                <a:ln>
-                  <a:noFill/>
-                </a:ln>
-                <a:solidFill>
-                  <a:srgbClr val="000000"/>
-                </a:solidFill>
-                <a:effectLst/>
-                <a:latin typeface="Open Sans" panose="020B0606030504020204" pitchFamily="34" charset="0"/>
-                <a:ea typeface="Open Sans" panose="020B0606030504020204" pitchFamily="34" charset="0"/>
-                <a:cs typeface="Open Sans" panose="020B0606030504020204" pitchFamily="34" charset="0"/>
-              </a:rPr>
-              <a:t>Comprobar lecturas con su fecha, calidad y contaminantes.</a:t>
-            </a:r>
-          </a:p>
-          <a:p>
-            <a:pPr marL="342900" marR="0" lvl="0" indent="-342900" algn="l" defTabSz="914400" rtl="0" eaLnBrk="0" fontAlgn="base" latinLnBrk="0" hangingPunct="0">
-              <a:lnSpc>
-                <a:spcPct val="100000"/>
-              </a:lnSpc>
-              <a:spcBef>
-                <a:spcPct val="0"/>
-              </a:spcBef>
-              <a:spcAft>
-                <a:spcPct val="0"/>
-              </a:spcAft>
-              <a:buClr>
-                <a:schemeClr val="accent1"/>
-              </a:buClr>
-              <a:buSzTx/>
-              <a:buFont typeface="Wingdings" pitchFamily="2" charset="2"/>
-              <a:buChar char="§"/>
-              <a:tabLst/>
-            </a:pPr>
-            <a:r>
-              <a:rPr kumimoji="0" lang="es-ES" altLang="es-ES" sz="2400" b="0" i="0" u="none" strike="noStrike" cap="none" normalizeH="0" baseline="0" dirty="0">
-                <a:ln>
-                  <a:noFill/>
-                </a:ln>
-                <a:solidFill>
-                  <a:srgbClr val="000000"/>
-                </a:solidFill>
-                <a:effectLst/>
-                <a:latin typeface="Open Sans" panose="020B0606030504020204" pitchFamily="34" charset="0"/>
-                <a:ea typeface="Open Sans" panose="020B0606030504020204" pitchFamily="34" charset="0"/>
-                <a:cs typeface="Open Sans" panose="020B0606030504020204" pitchFamily="34" charset="0"/>
-              </a:rPr>
-              <a:t>Validar el enlace </a:t>
-            </a:r>
-            <a:r>
-              <a:rPr kumimoji="0" lang="es-ES" altLang="es-ES" sz="2400" b="0" i="0" u="none" strike="noStrike" cap="none" normalizeH="0" baseline="0" dirty="0" err="1">
-                <a:ln>
-                  <a:noFill/>
-                </a:ln>
-                <a:solidFill>
-                  <a:srgbClr val="000000"/>
-                </a:solidFill>
-                <a:effectLst/>
-                <a:latin typeface="Open Sans" panose="020B0606030504020204" pitchFamily="34" charset="0"/>
-                <a:ea typeface="Open Sans" panose="020B0606030504020204" pitchFamily="34" charset="0"/>
-                <a:cs typeface="Open Sans" panose="020B0606030504020204" pitchFamily="34" charset="0"/>
-              </a:rPr>
-              <a:t>ex:madeByStation</a:t>
-            </a:r>
-            <a:r>
-              <a:rPr kumimoji="0" lang="es-ES" altLang="es-ES" sz="2400" b="0" i="0" u="none" strike="noStrike" cap="none" normalizeH="0" baseline="0" dirty="0">
-                <a:ln>
-                  <a:noFill/>
-                </a:ln>
-                <a:solidFill>
-                  <a:srgbClr val="000000"/>
-                </a:solidFill>
-                <a:effectLst/>
-                <a:latin typeface="Open Sans" panose="020B0606030504020204" pitchFamily="34" charset="0"/>
-                <a:ea typeface="Open Sans" panose="020B0606030504020204" pitchFamily="34" charset="0"/>
-                <a:cs typeface="Open Sans" panose="020B0606030504020204" pitchFamily="34" charset="0"/>
-              </a:rPr>
-              <a:t> entre lecturas y estaciones.</a:t>
-            </a:r>
-          </a:p>
-          <a:p>
-            <a:pPr marL="342900" marR="0" lvl="0" indent="-342900" algn="l" defTabSz="914400" rtl="0" eaLnBrk="0" fontAlgn="base" latinLnBrk="0" hangingPunct="0">
-              <a:lnSpc>
-                <a:spcPct val="100000"/>
-              </a:lnSpc>
-              <a:spcBef>
-                <a:spcPct val="0"/>
-              </a:spcBef>
-              <a:spcAft>
-                <a:spcPct val="0"/>
-              </a:spcAft>
-              <a:buClr>
-                <a:schemeClr val="accent1"/>
-              </a:buClr>
-              <a:buSzTx/>
-              <a:buFont typeface="Wingdings" pitchFamily="2" charset="2"/>
-              <a:buChar char="§"/>
-              <a:tabLst/>
-            </a:pPr>
-            <a:r>
-              <a:rPr kumimoji="0" lang="es-ES" altLang="es-ES" sz="2400" b="0" i="0" u="none" strike="noStrike" cap="none" normalizeH="0" baseline="0" dirty="0">
-                <a:ln>
-                  <a:noFill/>
-                </a:ln>
-                <a:solidFill>
-                  <a:srgbClr val="000000"/>
-                </a:solidFill>
-                <a:effectLst/>
-                <a:latin typeface="Open Sans" panose="020B0606030504020204" pitchFamily="34" charset="0"/>
-                <a:ea typeface="Open Sans" panose="020B0606030504020204" pitchFamily="34" charset="0"/>
-                <a:cs typeface="Open Sans" panose="020B0606030504020204" pitchFamily="34" charset="0"/>
-              </a:rPr>
-              <a:t>Detectar lecturas sin estación (errores).</a:t>
-            </a:r>
-          </a:p>
-          <a:p>
-            <a:pPr marL="342900" marR="0" lvl="0" indent="-342900" algn="l" defTabSz="914400" rtl="0" eaLnBrk="0" fontAlgn="base" latinLnBrk="0" hangingPunct="0">
-              <a:lnSpc>
-                <a:spcPct val="100000"/>
-              </a:lnSpc>
-              <a:spcBef>
-                <a:spcPct val="0"/>
-              </a:spcBef>
-              <a:spcAft>
-                <a:spcPct val="0"/>
-              </a:spcAft>
-              <a:buClr>
-                <a:schemeClr val="accent1"/>
-              </a:buClr>
-              <a:buSzTx/>
-              <a:buFont typeface="Wingdings" pitchFamily="2" charset="2"/>
-              <a:buChar char="§"/>
-              <a:tabLst/>
-            </a:pPr>
-            <a:r>
-              <a:rPr kumimoji="0" lang="es-ES" altLang="es-ES" sz="2400" b="0" i="0" u="none" strike="noStrike" cap="none" normalizeH="0" baseline="0" dirty="0">
-                <a:ln>
-                  <a:noFill/>
-                </a:ln>
-                <a:solidFill>
-                  <a:srgbClr val="000000"/>
-                </a:solidFill>
-                <a:effectLst/>
-                <a:latin typeface="Open Sans" panose="020B0606030504020204" pitchFamily="34" charset="0"/>
-                <a:ea typeface="Open Sans" panose="020B0606030504020204" pitchFamily="34" charset="0"/>
-                <a:cs typeface="Open Sans" panose="020B0606030504020204" pitchFamily="34" charset="0"/>
-              </a:rPr>
-              <a:t>Analizar contaminantes O₃, NO₂ y PM10.</a:t>
-            </a:r>
-          </a:p>
-          <a:p>
-            <a:pPr marL="342900" marR="0" lvl="0" indent="-342900" algn="l" defTabSz="914400" rtl="0" eaLnBrk="0" fontAlgn="base" latinLnBrk="0" hangingPunct="0">
-              <a:lnSpc>
-                <a:spcPct val="100000"/>
-              </a:lnSpc>
-              <a:spcBef>
-                <a:spcPct val="0"/>
-              </a:spcBef>
-              <a:spcAft>
-                <a:spcPct val="0"/>
-              </a:spcAft>
-              <a:buClr>
-                <a:schemeClr val="accent1"/>
-              </a:buClr>
-              <a:buSzTx/>
-              <a:buFont typeface="Wingdings" pitchFamily="2" charset="2"/>
-              <a:buChar char="§"/>
-              <a:tabLst/>
-            </a:pPr>
-            <a:r>
-              <a:rPr kumimoji="0" lang="es-ES" altLang="es-ES" sz="2400" b="0" i="0" u="none" strike="noStrike" cap="none" normalizeH="0" baseline="0" dirty="0">
-                <a:ln>
-                  <a:noFill/>
-                </a:ln>
-                <a:solidFill>
-                  <a:srgbClr val="000000"/>
-                </a:solidFill>
-                <a:effectLst/>
-                <a:latin typeface="Open Sans" panose="020B0606030504020204" pitchFamily="34" charset="0"/>
-                <a:ea typeface="Open Sans" panose="020B0606030504020204" pitchFamily="34" charset="0"/>
-                <a:cs typeface="Open Sans" panose="020B0606030504020204" pitchFamily="34" charset="0"/>
-              </a:rPr>
-              <a:t>Obtener estadísticas del </a:t>
-            </a:r>
-            <a:r>
-              <a:rPr kumimoji="0" lang="es-ES" altLang="es-ES" sz="2400" b="0" i="0" u="none" strike="noStrike" cap="none" normalizeH="0" baseline="0" dirty="0" err="1">
-                <a:ln>
-                  <a:noFill/>
-                </a:ln>
-                <a:solidFill>
-                  <a:srgbClr val="000000"/>
-                </a:solidFill>
-                <a:effectLst/>
-                <a:latin typeface="Open Sans" panose="020B0606030504020204" pitchFamily="34" charset="0"/>
-                <a:ea typeface="Open Sans" panose="020B0606030504020204" pitchFamily="34" charset="0"/>
-                <a:cs typeface="Open Sans" panose="020B0606030504020204" pitchFamily="34" charset="0"/>
-              </a:rPr>
-              <a:t>dataset</a:t>
-            </a:r>
-            <a:r>
-              <a:rPr kumimoji="0" lang="es-ES" altLang="es-ES" sz="2400" b="0" i="0" u="none" strike="noStrike" cap="none" normalizeH="0" baseline="0" dirty="0">
-                <a:ln>
-                  <a:noFill/>
-                </a:ln>
-                <a:solidFill>
-                  <a:srgbClr val="000000"/>
-                </a:solidFill>
-                <a:effectLst/>
-                <a:latin typeface="Open Sans" panose="020B0606030504020204" pitchFamily="34" charset="0"/>
-                <a:ea typeface="Open Sans" panose="020B0606030504020204" pitchFamily="34" charset="0"/>
-                <a:cs typeface="Open Sans" panose="020B0606030504020204" pitchFamily="34" charset="0"/>
-              </a:rPr>
-              <a:t> enlazado.</a:t>
-            </a:r>
-          </a:p>
-          <a:p>
-            <a:pPr marL="0" marR="0" lvl="0" indent="0" algn="l" defTabSz="914400" rtl="0" eaLnBrk="0" fontAlgn="base" latinLnBrk="0" hangingPunct="0">
-              <a:lnSpc>
-                <a:spcPct val="100000"/>
-              </a:lnSpc>
-              <a:spcBef>
-                <a:spcPct val="0"/>
-              </a:spcBef>
-              <a:spcAft>
-                <a:spcPct val="0"/>
-              </a:spcAft>
-              <a:buClrTx/>
-              <a:buSzTx/>
-              <a:buFontTx/>
-              <a:buNone/>
-              <a:tabLst/>
-            </a:pPr>
-            <a:endParaRPr kumimoji="0" lang="es-ES" altLang="es-ES" sz="2400" b="0" i="0" u="none" strike="noStrike" cap="none" normalizeH="0" baseline="0" dirty="0">
-              <a:ln>
-                <a:noFill/>
-              </a:ln>
-              <a:solidFill>
-                <a:schemeClr val="tx1"/>
-              </a:solidFill>
-              <a:effectLst/>
-              <a:latin typeface="Open Sans" panose="020B0606030504020204" pitchFamily="34" charset="0"/>
-              <a:ea typeface="Open Sans" panose="020B0606030504020204" pitchFamily="34" charset="0"/>
-              <a:cs typeface="Open Sans" panose="020B0606030504020204" pitchFamily="34" charset="0"/>
-            </a:endParaRPr>
-          </a:p>
-        </p:txBody>
-      </p:sp>
-      <p:pic>
-        <p:nvPicPr>
-          <p:cNvPr id="7" name="Imagen 6" descr="Texto&#10;&#10;El contenido generado por IA puede ser incorrecto.">
-            <a:extLst>
-              <a:ext uri="{FF2B5EF4-FFF2-40B4-BE49-F238E27FC236}">
-                <a16:creationId xmlns:a16="http://schemas.microsoft.com/office/drawing/2014/main" id="{142EB1EA-38E1-2F27-7493-A119A081BB33}"/>
-              </a:ext>
-            </a:extLst>
-          </p:cNvPr>
-          <p:cNvPicPr>
-            <a:picLocks noChangeAspect="1"/>
-          </p:cNvPicPr>
-          <p:nvPr/>
-        </p:nvPicPr>
-        <p:blipFill>
-          <a:blip r:embed="rId3"/>
-          <a:stretch>
-            <a:fillRect/>
-          </a:stretch>
-        </p:blipFill>
-        <p:spPr>
-          <a:xfrm>
-            <a:off x="9465099" y="3940419"/>
-            <a:ext cx="6114870" cy="4917682"/>
-          </a:xfrm>
-          <a:prstGeom prst="rect">
-            <a:avLst/>
-          </a:prstGeom>
-        </p:spPr>
-      </p:pic>
-    </p:spTree>
-    <p:extLst>
-      <p:ext uri="{BB962C8B-B14F-4D97-AF65-F5344CB8AC3E}">
-        <p14:creationId xmlns:p14="http://schemas.microsoft.com/office/powerpoint/2010/main" val="355544026"/>
       </p:ext>
     </p:extLst>
   </p:cSld>
